--- a/Plant Simulation/Componentes de la bicicleta.pptx
+++ b/Plant Simulation/Componentes de la bicicleta.pptx
@@ -6,6 +6,8 @@
   </p:sldMasterIdLst>
   <p:sldIdLst>
     <p:sldId id="256" r:id="rId2"/>
+    <p:sldId id="257" r:id="rId3"/>
+    <p:sldId id="258" r:id="rId4"/>
   </p:sldIdLst>
   <p:sldSz cx="12192000" cy="6858000"/>
   <p:notesSz cx="6858000" cy="9144000"/>
@@ -3564,7 +3566,6 @@
               <a:rPr lang="es-CO" sz="1400" dirty="0" smtClean="0"/>
               <a:t>Buje</a:t>
             </a:r>
-            <a:endParaRPr lang="es-CO" sz="1400" dirty="0" smtClean="0"/>
           </a:p>
           <a:p>
             <a:pPr marL="342900" indent="-342900">
@@ -3574,7 +3575,6 @@
               <a:rPr lang="es-CO" sz="1400" dirty="0" smtClean="0"/>
               <a:t>Freno</a:t>
             </a:r>
-            <a:endParaRPr lang="es-CO" sz="1400" dirty="0" smtClean="0"/>
           </a:p>
           <a:p>
             <a:pPr marL="342900" indent="-342900">
@@ -3668,7 +3668,6 @@
               <a:rPr lang="es-CO" sz="1400" dirty="0" smtClean="0"/>
               <a:t>Punteras</a:t>
             </a:r>
-            <a:endParaRPr lang="es-CO" sz="1400" dirty="0" smtClean="0"/>
           </a:p>
           <a:p>
             <a:pPr marL="342900" indent="-342900">
@@ -3696,7 +3695,6 @@
               <a:rPr lang="es-CO" sz="1400" dirty="0" smtClean="0"/>
               <a:t>Pedalier</a:t>
             </a:r>
-            <a:endParaRPr lang="es-CO" sz="1400" dirty="0" smtClean="0"/>
           </a:p>
         </p:txBody>
       </p:sp>
@@ -3724,8 +3722,8 @@
           </a:prstGeom>
         </p:spPr>
       </p:pic>
-      <mc:AlternateContent xmlns:mc="http://schemas.openxmlformats.org/markup-compatibility/2006">
-        <mc:Choice xmlns:a14="http://schemas.microsoft.com/office/drawing/2010/main" Requires="a14">
+      <mc:AlternateContent xmlns:mc="http://schemas.openxmlformats.org/markup-compatibility/2006" xmlns:a14="http://schemas.microsoft.com/office/drawing/2010/main">
+        <mc:Choice Requires="a14">
           <p:sp>
             <p:nvSpPr>
               <p:cNvPr id="33" name="CuadroTexto 32"/>
@@ -3776,7 +3774,7 @@
             </p:txBody>
           </p:sp>
         </mc:Choice>
-        <mc:Fallback>
+        <mc:Fallback xmlns="">
           <p:sp>
             <p:nvSpPr>
               <p:cNvPr id="33" name="CuadroTexto 32"/>
@@ -3815,8 +3813,8 @@
           </p:sp>
         </mc:Fallback>
       </mc:AlternateContent>
-      <mc:AlternateContent xmlns:mc="http://schemas.openxmlformats.org/markup-compatibility/2006">
-        <mc:Choice xmlns:a14="http://schemas.microsoft.com/office/drawing/2010/main" Requires="a14">
+      <mc:AlternateContent xmlns:mc="http://schemas.openxmlformats.org/markup-compatibility/2006" xmlns:a14="http://schemas.microsoft.com/office/drawing/2010/main">
+        <mc:Choice Requires="a14">
           <p:sp>
             <p:nvSpPr>
               <p:cNvPr id="34" name="CuadroTexto 33"/>
@@ -3867,7 +3865,7 @@
             </p:txBody>
           </p:sp>
         </mc:Choice>
-        <mc:Fallback>
+        <mc:Fallback xmlns="">
           <p:sp>
             <p:nvSpPr>
               <p:cNvPr id="34" name="CuadroTexto 33"/>
@@ -3906,8 +3904,8 @@
           </p:sp>
         </mc:Fallback>
       </mc:AlternateContent>
-      <mc:AlternateContent xmlns:mc="http://schemas.openxmlformats.org/markup-compatibility/2006">
-        <mc:Choice xmlns:a14="http://schemas.microsoft.com/office/drawing/2010/main" Requires="a14">
+      <mc:AlternateContent xmlns:mc="http://schemas.openxmlformats.org/markup-compatibility/2006" xmlns:a14="http://schemas.microsoft.com/office/drawing/2010/main">
+        <mc:Choice Requires="a14">
           <p:sp>
             <p:nvSpPr>
               <p:cNvPr id="35" name="CuadroTexto 34"/>
@@ -3958,7 +3956,7 @@
             </p:txBody>
           </p:sp>
         </mc:Choice>
-        <mc:Fallback>
+        <mc:Fallback xmlns="">
           <p:sp>
             <p:nvSpPr>
               <p:cNvPr id="35" name="CuadroTexto 34"/>
@@ -3997,8 +3995,8 @@
           </p:sp>
         </mc:Fallback>
       </mc:AlternateContent>
-      <mc:AlternateContent xmlns:mc="http://schemas.openxmlformats.org/markup-compatibility/2006">
-        <mc:Choice xmlns:a14="http://schemas.microsoft.com/office/drawing/2010/main" Requires="a14">
+      <mc:AlternateContent xmlns:mc="http://schemas.openxmlformats.org/markup-compatibility/2006" xmlns:a14="http://schemas.microsoft.com/office/drawing/2010/main">
+        <mc:Choice Requires="a14">
           <p:sp>
             <p:nvSpPr>
               <p:cNvPr id="36" name="CuadroTexto 35"/>
@@ -4049,7 +4047,7 @@
             </p:txBody>
           </p:sp>
         </mc:Choice>
-        <mc:Fallback>
+        <mc:Fallback xmlns="">
           <p:sp>
             <p:nvSpPr>
               <p:cNvPr id="36" name="CuadroTexto 35"/>
@@ -4088,8 +4086,8 @@
           </p:sp>
         </mc:Fallback>
       </mc:AlternateContent>
-      <mc:AlternateContent xmlns:mc="http://schemas.openxmlformats.org/markup-compatibility/2006">
-        <mc:Choice xmlns:a14="http://schemas.microsoft.com/office/drawing/2010/main" Requires="a14">
+      <mc:AlternateContent xmlns:mc="http://schemas.openxmlformats.org/markup-compatibility/2006" xmlns:a14="http://schemas.microsoft.com/office/drawing/2010/main">
+        <mc:Choice Requires="a14">
           <p:sp>
             <p:nvSpPr>
               <p:cNvPr id="37" name="CuadroTexto 36"/>
@@ -4140,7 +4138,7 @@
             </p:txBody>
           </p:sp>
         </mc:Choice>
-        <mc:Fallback>
+        <mc:Fallback xmlns="">
           <p:sp>
             <p:nvSpPr>
               <p:cNvPr id="37" name="CuadroTexto 36"/>
@@ -4179,8 +4177,8 @@
           </p:sp>
         </mc:Fallback>
       </mc:AlternateContent>
-      <mc:AlternateContent xmlns:mc="http://schemas.openxmlformats.org/markup-compatibility/2006">
-        <mc:Choice xmlns:a14="http://schemas.microsoft.com/office/drawing/2010/main" Requires="a14">
+      <mc:AlternateContent xmlns:mc="http://schemas.openxmlformats.org/markup-compatibility/2006" xmlns:a14="http://schemas.microsoft.com/office/drawing/2010/main">
+        <mc:Choice Requires="a14">
           <p:sp>
             <p:nvSpPr>
               <p:cNvPr id="38" name="CuadroTexto 37"/>
@@ -4231,7 +4229,7 @@
             </p:txBody>
           </p:sp>
         </mc:Choice>
-        <mc:Fallback>
+        <mc:Fallback xmlns="">
           <p:sp>
             <p:nvSpPr>
               <p:cNvPr id="38" name="CuadroTexto 37"/>
@@ -4270,8 +4268,8 @@
           </p:sp>
         </mc:Fallback>
       </mc:AlternateContent>
-      <mc:AlternateContent xmlns:mc="http://schemas.openxmlformats.org/markup-compatibility/2006">
-        <mc:Choice xmlns:a14="http://schemas.microsoft.com/office/drawing/2010/main" Requires="a14">
+      <mc:AlternateContent xmlns:mc="http://schemas.openxmlformats.org/markup-compatibility/2006" xmlns:a14="http://schemas.microsoft.com/office/drawing/2010/main">
+        <mc:Choice Requires="a14">
           <p:sp>
             <p:nvSpPr>
               <p:cNvPr id="39" name="CuadroTexto 38"/>
@@ -4322,7 +4320,7 @@
             </p:txBody>
           </p:sp>
         </mc:Choice>
-        <mc:Fallback>
+        <mc:Fallback xmlns="">
           <p:sp>
             <p:nvSpPr>
               <p:cNvPr id="39" name="CuadroTexto 38"/>
@@ -4361,8 +4359,8 @@
           </p:sp>
         </mc:Fallback>
       </mc:AlternateContent>
-      <mc:AlternateContent xmlns:mc="http://schemas.openxmlformats.org/markup-compatibility/2006">
-        <mc:Choice xmlns:a14="http://schemas.microsoft.com/office/drawing/2010/main" Requires="a14">
+      <mc:AlternateContent xmlns:mc="http://schemas.openxmlformats.org/markup-compatibility/2006" xmlns:a14="http://schemas.microsoft.com/office/drawing/2010/main">
+        <mc:Choice Requires="a14">
           <p:sp>
             <p:nvSpPr>
               <p:cNvPr id="40" name="CuadroTexto 39"/>
@@ -4413,7 +4411,7 @@
             </p:txBody>
           </p:sp>
         </mc:Choice>
-        <mc:Fallback>
+        <mc:Fallback xmlns="">
           <p:sp>
             <p:nvSpPr>
               <p:cNvPr id="40" name="CuadroTexto 39"/>
@@ -4452,8 +4450,8 @@
           </p:sp>
         </mc:Fallback>
       </mc:AlternateContent>
-      <mc:AlternateContent xmlns:mc="http://schemas.openxmlformats.org/markup-compatibility/2006">
-        <mc:Choice xmlns:a14="http://schemas.microsoft.com/office/drawing/2010/main" Requires="a14">
+      <mc:AlternateContent xmlns:mc="http://schemas.openxmlformats.org/markup-compatibility/2006" xmlns:a14="http://schemas.microsoft.com/office/drawing/2010/main">
+        <mc:Choice Requires="a14">
           <p:sp>
             <p:nvSpPr>
               <p:cNvPr id="42" name="CuadroTexto 41"/>
@@ -4504,7 +4502,7 @@
             </p:txBody>
           </p:sp>
         </mc:Choice>
-        <mc:Fallback>
+        <mc:Fallback xmlns="">
           <p:sp>
             <p:nvSpPr>
               <p:cNvPr id="42" name="CuadroTexto 41"/>
@@ -4543,8 +4541,8 @@
           </p:sp>
         </mc:Fallback>
       </mc:AlternateContent>
-      <mc:AlternateContent xmlns:mc="http://schemas.openxmlformats.org/markup-compatibility/2006">
-        <mc:Choice xmlns:a14="http://schemas.microsoft.com/office/drawing/2010/main" Requires="a14">
+      <mc:AlternateContent xmlns:mc="http://schemas.openxmlformats.org/markup-compatibility/2006" xmlns:a14="http://schemas.microsoft.com/office/drawing/2010/main">
+        <mc:Choice Requires="a14">
           <p:sp>
             <p:nvSpPr>
               <p:cNvPr id="43" name="CuadroTexto 42"/>
@@ -4595,7 +4593,7 @@
             </p:txBody>
           </p:sp>
         </mc:Choice>
-        <mc:Fallback>
+        <mc:Fallback xmlns="">
           <p:sp>
             <p:nvSpPr>
               <p:cNvPr id="43" name="CuadroTexto 42"/>
@@ -4634,8 +4632,8 @@
           </p:sp>
         </mc:Fallback>
       </mc:AlternateContent>
-      <mc:AlternateContent xmlns:mc="http://schemas.openxmlformats.org/markup-compatibility/2006">
-        <mc:Choice xmlns:a14="http://schemas.microsoft.com/office/drawing/2010/main" Requires="a14">
+      <mc:AlternateContent xmlns:mc="http://schemas.openxmlformats.org/markup-compatibility/2006" xmlns:a14="http://schemas.microsoft.com/office/drawing/2010/main">
+        <mc:Choice Requires="a14">
           <p:sp>
             <p:nvSpPr>
               <p:cNvPr id="44" name="CuadroTexto 43"/>
@@ -4686,7 +4684,7 @@
             </p:txBody>
           </p:sp>
         </mc:Choice>
-        <mc:Fallback>
+        <mc:Fallback xmlns="">
           <p:sp>
             <p:nvSpPr>
               <p:cNvPr id="44" name="CuadroTexto 43"/>
@@ -4725,8 +4723,8 @@
           </p:sp>
         </mc:Fallback>
       </mc:AlternateContent>
-      <mc:AlternateContent xmlns:mc="http://schemas.openxmlformats.org/markup-compatibility/2006">
-        <mc:Choice xmlns:a14="http://schemas.microsoft.com/office/drawing/2010/main" Requires="a14">
+      <mc:AlternateContent xmlns:mc="http://schemas.openxmlformats.org/markup-compatibility/2006" xmlns:a14="http://schemas.microsoft.com/office/drawing/2010/main">
+        <mc:Choice Requires="a14">
           <p:sp>
             <p:nvSpPr>
               <p:cNvPr id="45" name="CuadroTexto 44"/>
@@ -4777,7 +4775,7 @@
             </p:txBody>
           </p:sp>
         </mc:Choice>
-        <mc:Fallback>
+        <mc:Fallback xmlns="">
           <p:sp>
             <p:nvSpPr>
               <p:cNvPr id="45" name="CuadroTexto 44"/>
@@ -4840,8 +4838,8 @@
           </a:prstGeom>
         </p:spPr>
       </p:pic>
-      <mc:AlternateContent xmlns:mc="http://schemas.openxmlformats.org/markup-compatibility/2006">
-        <mc:Choice xmlns:a14="http://schemas.microsoft.com/office/drawing/2010/main" Requires="a14">
+      <mc:AlternateContent xmlns:mc="http://schemas.openxmlformats.org/markup-compatibility/2006" xmlns:a14="http://schemas.microsoft.com/office/drawing/2010/main">
+        <mc:Choice Requires="a14">
           <p:sp>
             <p:nvSpPr>
               <p:cNvPr id="51" name="CuadroTexto 50"/>
@@ -4892,7 +4890,7 @@
             </p:txBody>
           </p:sp>
         </mc:Choice>
-        <mc:Fallback>
+        <mc:Fallback xmlns="">
           <p:sp>
             <p:nvSpPr>
               <p:cNvPr id="51" name="CuadroTexto 50"/>
@@ -4931,8 +4929,8 @@
           </p:sp>
         </mc:Fallback>
       </mc:AlternateContent>
-      <mc:AlternateContent xmlns:mc="http://schemas.openxmlformats.org/markup-compatibility/2006">
-        <mc:Choice xmlns:a14="http://schemas.microsoft.com/office/drawing/2010/main" Requires="a14">
+      <mc:AlternateContent xmlns:mc="http://schemas.openxmlformats.org/markup-compatibility/2006" xmlns:a14="http://schemas.microsoft.com/office/drawing/2010/main">
+        <mc:Choice Requires="a14">
           <p:sp>
             <p:nvSpPr>
               <p:cNvPr id="52" name="CuadroTexto 51"/>
@@ -4983,7 +4981,7 @@
             </p:txBody>
           </p:sp>
         </mc:Choice>
-        <mc:Fallback>
+        <mc:Fallback xmlns="">
           <p:sp>
             <p:nvSpPr>
               <p:cNvPr id="52" name="CuadroTexto 51"/>
@@ -5022,8 +5020,8 @@
           </p:sp>
         </mc:Fallback>
       </mc:AlternateContent>
-      <mc:AlternateContent xmlns:mc="http://schemas.openxmlformats.org/markup-compatibility/2006">
-        <mc:Choice xmlns:a14="http://schemas.microsoft.com/office/drawing/2010/main" Requires="a14">
+      <mc:AlternateContent xmlns:mc="http://schemas.openxmlformats.org/markup-compatibility/2006" xmlns:a14="http://schemas.microsoft.com/office/drawing/2010/main">
+        <mc:Choice Requires="a14">
           <p:sp>
             <p:nvSpPr>
               <p:cNvPr id="53" name="CuadroTexto 52"/>
@@ -5074,7 +5072,7 @@
             </p:txBody>
           </p:sp>
         </mc:Choice>
-        <mc:Fallback>
+        <mc:Fallback xmlns="">
           <p:sp>
             <p:nvSpPr>
               <p:cNvPr id="53" name="CuadroTexto 52"/>
@@ -5113,8 +5111,8 @@
           </p:sp>
         </mc:Fallback>
       </mc:AlternateContent>
-      <mc:AlternateContent xmlns:mc="http://schemas.openxmlformats.org/markup-compatibility/2006">
-        <mc:Choice xmlns:a14="http://schemas.microsoft.com/office/drawing/2010/main" Requires="a14">
+      <mc:AlternateContent xmlns:mc="http://schemas.openxmlformats.org/markup-compatibility/2006" xmlns:a14="http://schemas.microsoft.com/office/drawing/2010/main">
+        <mc:Choice Requires="a14">
           <p:sp>
             <p:nvSpPr>
               <p:cNvPr id="54" name="CuadroTexto 53"/>
@@ -5165,7 +5163,7 @@
             </p:txBody>
           </p:sp>
         </mc:Choice>
-        <mc:Fallback>
+        <mc:Fallback xmlns="">
           <p:sp>
             <p:nvSpPr>
               <p:cNvPr id="54" name="CuadroTexto 53"/>
@@ -5204,8 +5202,8 @@
           </p:sp>
         </mc:Fallback>
       </mc:AlternateContent>
-      <mc:AlternateContent xmlns:mc="http://schemas.openxmlformats.org/markup-compatibility/2006">
-        <mc:Choice xmlns:a14="http://schemas.microsoft.com/office/drawing/2010/main" Requires="a14">
+      <mc:AlternateContent xmlns:mc="http://schemas.openxmlformats.org/markup-compatibility/2006" xmlns:a14="http://schemas.microsoft.com/office/drawing/2010/main">
+        <mc:Choice Requires="a14">
           <p:sp>
             <p:nvSpPr>
               <p:cNvPr id="55" name="CuadroTexto 54"/>
@@ -5256,7 +5254,7 @@
             </p:txBody>
           </p:sp>
         </mc:Choice>
-        <mc:Fallback>
+        <mc:Fallback xmlns="">
           <p:sp>
             <p:nvSpPr>
               <p:cNvPr id="55" name="CuadroTexto 54"/>
@@ -5319,8 +5317,8 @@
           </a:prstGeom>
         </p:spPr>
       </p:pic>
-      <mc:AlternateContent xmlns:mc="http://schemas.openxmlformats.org/markup-compatibility/2006">
-        <mc:Choice xmlns:a14="http://schemas.microsoft.com/office/drawing/2010/main" Requires="a14">
+      <mc:AlternateContent xmlns:mc="http://schemas.openxmlformats.org/markup-compatibility/2006" xmlns:a14="http://schemas.microsoft.com/office/drawing/2010/main">
+        <mc:Choice Requires="a14">
           <p:sp>
             <p:nvSpPr>
               <p:cNvPr id="57" name="CuadroTexto 56"/>
@@ -5371,7 +5369,7 @@
             </p:txBody>
           </p:sp>
         </mc:Choice>
-        <mc:Fallback>
+        <mc:Fallback xmlns="">
           <p:sp>
             <p:nvSpPr>
               <p:cNvPr id="57" name="CuadroTexto 56"/>
@@ -5410,8 +5408,8 @@
           </p:sp>
         </mc:Fallback>
       </mc:AlternateContent>
-      <mc:AlternateContent xmlns:mc="http://schemas.openxmlformats.org/markup-compatibility/2006">
-        <mc:Choice xmlns:a14="http://schemas.microsoft.com/office/drawing/2010/main" Requires="a14">
+      <mc:AlternateContent xmlns:mc="http://schemas.openxmlformats.org/markup-compatibility/2006" xmlns:a14="http://schemas.microsoft.com/office/drawing/2010/main">
+        <mc:Choice Requires="a14">
           <p:sp>
             <p:nvSpPr>
               <p:cNvPr id="58" name="CuadroTexto 57"/>
@@ -5462,7 +5460,7 @@
             </p:txBody>
           </p:sp>
         </mc:Choice>
-        <mc:Fallback>
+        <mc:Fallback xmlns="">
           <p:sp>
             <p:nvSpPr>
               <p:cNvPr id="58" name="CuadroTexto 57"/>
@@ -5501,8 +5499,8 @@
           </p:sp>
         </mc:Fallback>
       </mc:AlternateContent>
-      <mc:AlternateContent xmlns:mc="http://schemas.openxmlformats.org/markup-compatibility/2006">
-        <mc:Choice xmlns:a14="http://schemas.microsoft.com/office/drawing/2010/main" Requires="a14">
+      <mc:AlternateContent xmlns:mc="http://schemas.openxmlformats.org/markup-compatibility/2006" xmlns:a14="http://schemas.microsoft.com/office/drawing/2010/main">
+        <mc:Choice Requires="a14">
           <p:sp>
             <p:nvSpPr>
               <p:cNvPr id="59" name="CuadroTexto 58"/>
@@ -5553,7 +5551,7 @@
             </p:txBody>
           </p:sp>
         </mc:Choice>
-        <mc:Fallback>
+        <mc:Fallback xmlns="">
           <p:sp>
             <p:nvSpPr>
               <p:cNvPr id="59" name="CuadroTexto 58"/>
@@ -5592,8 +5590,8 @@
           </p:sp>
         </mc:Fallback>
       </mc:AlternateContent>
-      <mc:AlternateContent xmlns:mc="http://schemas.openxmlformats.org/markup-compatibility/2006">
-        <mc:Choice xmlns:a14="http://schemas.microsoft.com/office/drawing/2010/main" Requires="a14">
+      <mc:AlternateContent xmlns:mc="http://schemas.openxmlformats.org/markup-compatibility/2006" xmlns:a14="http://schemas.microsoft.com/office/drawing/2010/main">
+        <mc:Choice Requires="a14">
           <p:sp>
             <p:nvSpPr>
               <p:cNvPr id="60" name="CuadroTexto 59"/>
@@ -5644,7 +5642,7 @@
             </p:txBody>
           </p:sp>
         </mc:Choice>
-        <mc:Fallback>
+        <mc:Fallback xmlns="">
           <p:sp>
             <p:nvSpPr>
               <p:cNvPr id="60" name="CuadroTexto 59"/>
@@ -5716,11 +5714,7 @@
             </a:pPr>
             <a:r>
               <a:rPr lang="es-CO" sz="1400" dirty="0" smtClean="0"/>
-              <a:t>Tubo de </a:t>
-            </a:r>
-            <a:r>
-              <a:rPr lang="es-CO" sz="1400" dirty="0" smtClean="0"/>
-              <a:t>manubrio</a:t>
+              <a:t>Tubo de manubrio</a:t>
             </a:r>
           </a:p>
           <a:p>
@@ -5731,7 +5725,6 @@
               <a:rPr lang="es-CO" sz="1400" dirty="0" smtClean="0"/>
               <a:t>Espaciadores</a:t>
             </a:r>
-            <a:endParaRPr lang="es-CO" sz="1400" dirty="0" smtClean="0"/>
           </a:p>
           <a:p>
             <a:pPr marL="342900" indent="-342900">
@@ -5760,7 +5753,6 @@
               <a:rPr lang="es-CO" sz="1400" dirty="0" smtClean="0"/>
               <a:t>Tapón</a:t>
             </a:r>
-            <a:endParaRPr lang="es-CO" sz="1400" dirty="0" smtClean="0"/>
           </a:p>
         </p:txBody>
       </p:sp>
@@ -5884,7 +5876,6 @@
               <a:rPr lang="es-CO" sz="1400" dirty="0" smtClean="0"/>
               <a:t>Sillín</a:t>
             </a:r>
-            <a:endParaRPr lang="es-CO" sz="1400" dirty="0" smtClean="0"/>
           </a:p>
           <a:p>
             <a:pPr marL="285750" indent="-285750">
@@ -5957,8 +5948,8 @@
           </a:prstGeom>
         </p:spPr>
       </p:pic>
-      <mc:AlternateContent xmlns:mc="http://schemas.openxmlformats.org/markup-compatibility/2006">
-        <mc:Choice xmlns:a14="http://schemas.microsoft.com/office/drawing/2010/main" Requires="a14">
+      <mc:AlternateContent xmlns:mc="http://schemas.openxmlformats.org/markup-compatibility/2006" xmlns:a14="http://schemas.microsoft.com/office/drawing/2010/main">
+        <mc:Choice Requires="a14">
           <p:sp>
             <p:nvSpPr>
               <p:cNvPr id="46" name="CuadroTexto 45"/>
@@ -6009,7 +6000,7 @@
             </p:txBody>
           </p:sp>
         </mc:Choice>
-        <mc:Fallback>
+        <mc:Fallback xmlns="">
           <p:sp>
             <p:nvSpPr>
               <p:cNvPr id="46" name="CuadroTexto 45"/>
@@ -6048,8 +6039,8 @@
           </p:sp>
         </mc:Fallback>
       </mc:AlternateContent>
-      <mc:AlternateContent xmlns:mc="http://schemas.openxmlformats.org/markup-compatibility/2006">
-        <mc:Choice xmlns:a14="http://schemas.microsoft.com/office/drawing/2010/main" Requires="a14">
+      <mc:AlternateContent xmlns:mc="http://schemas.openxmlformats.org/markup-compatibility/2006" xmlns:a14="http://schemas.microsoft.com/office/drawing/2010/main">
+        <mc:Choice Requires="a14">
           <p:sp>
             <p:nvSpPr>
               <p:cNvPr id="65" name="CuadroTexto 64"/>
@@ -6100,7 +6091,7 @@
             </p:txBody>
           </p:sp>
         </mc:Choice>
-        <mc:Fallback>
+        <mc:Fallback xmlns="">
           <p:sp>
             <p:nvSpPr>
               <p:cNvPr id="65" name="CuadroTexto 64"/>
@@ -6139,8 +6130,8 @@
           </p:sp>
         </mc:Fallback>
       </mc:AlternateContent>
-      <mc:AlternateContent xmlns:mc="http://schemas.openxmlformats.org/markup-compatibility/2006">
-        <mc:Choice xmlns:a14="http://schemas.microsoft.com/office/drawing/2010/main" Requires="a14">
+      <mc:AlternateContent xmlns:mc="http://schemas.openxmlformats.org/markup-compatibility/2006" xmlns:a14="http://schemas.microsoft.com/office/drawing/2010/main">
+        <mc:Choice Requires="a14">
           <p:sp>
             <p:nvSpPr>
               <p:cNvPr id="66" name="CuadroTexto 65"/>
@@ -6191,7 +6182,7 @@
             </p:txBody>
           </p:sp>
         </mc:Choice>
-        <mc:Fallback>
+        <mc:Fallback xmlns="">
           <p:sp>
             <p:nvSpPr>
               <p:cNvPr id="66" name="CuadroTexto 65"/>
@@ -6230,8 +6221,8 @@
           </p:sp>
         </mc:Fallback>
       </mc:AlternateContent>
-      <mc:AlternateContent xmlns:mc="http://schemas.openxmlformats.org/markup-compatibility/2006">
-        <mc:Choice xmlns:a14="http://schemas.microsoft.com/office/drawing/2010/main" Requires="a14">
+      <mc:AlternateContent xmlns:mc="http://schemas.openxmlformats.org/markup-compatibility/2006" xmlns:a14="http://schemas.microsoft.com/office/drawing/2010/main">
+        <mc:Choice Requires="a14">
           <p:sp>
             <p:nvSpPr>
               <p:cNvPr id="67" name="CuadroTexto 66"/>
@@ -6282,7 +6273,7 @@
             </p:txBody>
           </p:sp>
         </mc:Choice>
-        <mc:Fallback>
+        <mc:Fallback xmlns="">
           <p:sp>
             <p:nvSpPr>
               <p:cNvPr id="67" name="CuadroTexto 66"/>
@@ -6321,8 +6312,8 @@
           </p:sp>
         </mc:Fallback>
       </mc:AlternateContent>
-      <mc:AlternateContent xmlns:mc="http://schemas.openxmlformats.org/markup-compatibility/2006">
-        <mc:Choice xmlns:a14="http://schemas.microsoft.com/office/drawing/2010/main" Requires="a14">
+      <mc:AlternateContent xmlns:mc="http://schemas.openxmlformats.org/markup-compatibility/2006" xmlns:a14="http://schemas.microsoft.com/office/drawing/2010/main">
+        <mc:Choice Requires="a14">
           <p:sp>
             <p:nvSpPr>
               <p:cNvPr id="68" name="CuadroTexto 67"/>
@@ -6373,7 +6364,7 @@
             </p:txBody>
           </p:sp>
         </mc:Choice>
-        <mc:Fallback>
+        <mc:Fallback xmlns="">
           <p:sp>
             <p:nvSpPr>
               <p:cNvPr id="68" name="CuadroTexto 67"/>
@@ -6412,8 +6403,8 @@
           </p:sp>
         </mc:Fallback>
       </mc:AlternateContent>
-      <mc:AlternateContent xmlns:mc="http://schemas.openxmlformats.org/markup-compatibility/2006">
-        <mc:Choice xmlns:a14="http://schemas.microsoft.com/office/drawing/2010/main" Requires="a14">
+      <mc:AlternateContent xmlns:mc="http://schemas.openxmlformats.org/markup-compatibility/2006" xmlns:a14="http://schemas.microsoft.com/office/drawing/2010/main">
+        <mc:Choice Requires="a14">
           <p:sp>
             <p:nvSpPr>
               <p:cNvPr id="69" name="CuadroTexto 68"/>
@@ -6464,7 +6455,7 @@
             </p:txBody>
           </p:sp>
         </mc:Choice>
-        <mc:Fallback>
+        <mc:Fallback xmlns="">
           <p:sp>
             <p:nvSpPr>
               <p:cNvPr id="69" name="CuadroTexto 68"/>
@@ -6507,6 +6498,454 @@
     <p:extLst>
       <p:ext uri="{BB962C8B-B14F-4D97-AF65-F5344CB8AC3E}">
         <p14:creationId xmlns:p14="http://schemas.microsoft.com/office/powerpoint/2010/main" val="3438802664"/>
+      </p:ext>
+    </p:extLst>
+  </p:cSld>
+  <p:clrMapOvr>
+    <a:masterClrMapping/>
+  </p:clrMapOvr>
+</p:sld>
+</file>
+
+<file path=ppt/slides/slide2.xml><?xml version="1.0" encoding="utf-8"?>
+<p:sld xmlns:a="http://schemas.openxmlformats.org/drawingml/2006/main" xmlns:r="http://schemas.openxmlformats.org/officeDocument/2006/relationships" xmlns:p="http://schemas.openxmlformats.org/presentationml/2006/main">
+  <p:cSld>
+    <p:spTree>
+      <p:nvGrpSpPr>
+        <p:cNvPr id="1" name=""/>
+        <p:cNvGrpSpPr/>
+        <p:nvPr/>
+      </p:nvGrpSpPr>
+      <p:grpSpPr>
+        <a:xfrm>
+          <a:off x="0" y="0"/>
+          <a:ext cx="0" cy="0"/>
+          <a:chOff x="0" y="0"/>
+          <a:chExt cx="0" cy="0"/>
+        </a:xfrm>
+      </p:grpSpPr>
+      <p:sp>
+        <p:nvSpPr>
+          <p:cNvPr id="2" name="Título 1"/>
+          <p:cNvSpPr>
+            <a:spLocks noGrp="1"/>
+          </p:cNvSpPr>
+          <p:nvPr>
+            <p:ph type="title"/>
+          </p:nvPr>
+        </p:nvSpPr>
+        <p:spPr/>
+        <p:txBody>
+          <a:bodyPr/>
+          <a:lstStyle/>
+          <a:p>
+            <a:r>
+              <a:rPr lang="es-CO" dirty="0" smtClean="0"/>
+              <a:t>Componentes de fabricación</a:t>
+            </a:r>
+            <a:endParaRPr lang="es-CO" dirty="0"/>
+          </a:p>
+        </p:txBody>
+      </p:sp>
+      <p:sp>
+        <p:nvSpPr>
+          <p:cNvPr id="3" name="Marcador de contenido 2"/>
+          <p:cNvSpPr>
+            <a:spLocks noGrp="1"/>
+          </p:cNvSpPr>
+          <p:nvPr>
+            <p:ph idx="1"/>
+          </p:nvPr>
+        </p:nvSpPr>
+        <p:spPr/>
+        <p:txBody>
+          <a:bodyPr numCol="2">
+            <a:normAutofit/>
+          </a:bodyPr>
+          <a:lstStyle/>
+          <a:p>
+            <a:pPr marL="514350" indent="-514350">
+              <a:buAutoNum type="arabicPeriod"/>
+            </a:pPr>
+            <a:r>
+              <a:rPr lang="es-CO" dirty="0" smtClean="0"/>
+              <a:t>Tubo superior</a:t>
+            </a:r>
+          </a:p>
+          <a:p>
+            <a:pPr marL="514350" indent="-514350">
+              <a:buAutoNum type="arabicPeriod"/>
+            </a:pPr>
+            <a:r>
+              <a:rPr lang="es-CO" dirty="0" smtClean="0"/>
+              <a:t>Tubo inferior</a:t>
+            </a:r>
+          </a:p>
+          <a:p>
+            <a:pPr marL="514350" indent="-514350">
+              <a:buAutoNum type="arabicPeriod"/>
+            </a:pPr>
+            <a:r>
+              <a:rPr lang="es-CO" dirty="0" smtClean="0"/>
+              <a:t>Tubo del asiento</a:t>
+            </a:r>
+          </a:p>
+          <a:p>
+            <a:pPr marL="514350" indent="-514350">
+              <a:buAutoNum type="arabicPeriod"/>
+            </a:pPr>
+            <a:r>
+              <a:rPr lang="es-CO" dirty="0" smtClean="0"/>
+              <a:t>Vaina superior </a:t>
+            </a:r>
+          </a:p>
+          <a:p>
+            <a:pPr marL="514350" indent="-514350">
+              <a:buAutoNum type="arabicPeriod"/>
+            </a:pPr>
+            <a:r>
+              <a:rPr lang="es-CO" dirty="0" smtClean="0"/>
+              <a:t>Vaina inferior</a:t>
+            </a:r>
+          </a:p>
+          <a:p>
+            <a:pPr marL="514350" indent="-514350">
+              <a:buAutoNum type="arabicPeriod"/>
+            </a:pPr>
+            <a:r>
+              <a:rPr lang="es-CO" dirty="0" smtClean="0"/>
+              <a:t>Punteras</a:t>
+            </a:r>
+          </a:p>
+          <a:p>
+            <a:pPr marL="514350" indent="-514350">
+              <a:buAutoNum type="arabicPeriod"/>
+            </a:pPr>
+            <a:r>
+              <a:rPr lang="es-CO" dirty="0" smtClean="0"/>
+              <a:t>Telescopio</a:t>
+            </a:r>
+          </a:p>
+          <a:p>
+            <a:pPr marL="514350" indent="-514350">
+              <a:buAutoNum type="arabicPeriod"/>
+            </a:pPr>
+            <a:r>
+              <a:rPr lang="es-CO" dirty="0" smtClean="0"/>
+              <a:t>Manga asiento</a:t>
+            </a:r>
+          </a:p>
+          <a:p>
+            <a:pPr marL="514350" indent="-514350">
+              <a:buAutoNum type="arabicPeriod"/>
+            </a:pPr>
+            <a:r>
+              <a:rPr lang="es-CO" dirty="0" err="1" smtClean="0"/>
+              <a:t>Pedalier</a:t>
+            </a:r>
+            <a:endParaRPr lang="es-CO" dirty="0" smtClean="0"/>
+          </a:p>
+          <a:p>
+            <a:pPr marL="514350" indent="-514350">
+              <a:buAutoNum type="arabicPeriod"/>
+            </a:pPr>
+            <a:r>
+              <a:rPr lang="es-CO" dirty="0" smtClean="0"/>
+              <a:t>Tubo de manubrio</a:t>
+            </a:r>
+          </a:p>
+          <a:p>
+            <a:pPr marL="514350" indent="-514350">
+              <a:buAutoNum type="arabicPeriod"/>
+            </a:pPr>
+            <a:r>
+              <a:rPr lang="es-CO" dirty="0" smtClean="0"/>
+              <a:t>Tija</a:t>
+            </a:r>
+          </a:p>
+          <a:p>
+            <a:pPr marL="514350" indent="-514350">
+              <a:buAutoNum type="arabicPeriod"/>
+            </a:pPr>
+            <a:r>
+              <a:rPr lang="es-CO" dirty="0" smtClean="0"/>
+              <a:t>Horquilla</a:t>
+            </a:r>
+            <a:endParaRPr lang="es-CO" dirty="0"/>
+          </a:p>
+        </p:txBody>
+      </p:sp>
+    </p:spTree>
+    <p:extLst>
+      <p:ext uri="{BB962C8B-B14F-4D97-AF65-F5344CB8AC3E}">
+        <p14:creationId xmlns:p14="http://schemas.microsoft.com/office/powerpoint/2010/main" val="1243428478"/>
+      </p:ext>
+    </p:extLst>
+  </p:cSld>
+  <p:clrMapOvr>
+    <a:masterClrMapping/>
+  </p:clrMapOvr>
+</p:sld>
+</file>
+
+<file path=ppt/slides/slide3.xml><?xml version="1.0" encoding="utf-8"?>
+<p:sld xmlns:a="http://schemas.openxmlformats.org/drawingml/2006/main" xmlns:r="http://schemas.openxmlformats.org/officeDocument/2006/relationships" xmlns:p="http://schemas.openxmlformats.org/presentationml/2006/main">
+  <p:cSld>
+    <p:spTree>
+      <p:nvGrpSpPr>
+        <p:cNvPr id="1" name=""/>
+        <p:cNvGrpSpPr/>
+        <p:nvPr/>
+      </p:nvGrpSpPr>
+      <p:grpSpPr>
+        <a:xfrm>
+          <a:off x="0" y="0"/>
+          <a:ext cx="0" cy="0"/>
+          <a:chOff x="0" y="0"/>
+          <a:chExt cx="0" cy="0"/>
+        </a:xfrm>
+      </p:grpSpPr>
+      <p:sp>
+        <p:nvSpPr>
+          <p:cNvPr id="2" name="Título 1"/>
+          <p:cNvSpPr>
+            <a:spLocks noGrp="1"/>
+          </p:cNvSpPr>
+          <p:nvPr>
+            <p:ph type="title"/>
+          </p:nvPr>
+        </p:nvSpPr>
+        <p:spPr/>
+        <p:txBody>
+          <a:bodyPr/>
+          <a:lstStyle/>
+          <a:p>
+            <a:r>
+              <a:rPr lang="es-CO" dirty="0" smtClean="0"/>
+              <a:t>Componentes de selección</a:t>
+            </a:r>
+            <a:endParaRPr lang="es-CO" dirty="0"/>
+          </a:p>
+        </p:txBody>
+      </p:sp>
+      <p:sp>
+        <p:nvSpPr>
+          <p:cNvPr id="3" name="Marcador de contenido 2"/>
+          <p:cNvSpPr>
+            <a:spLocks noGrp="1"/>
+          </p:cNvSpPr>
+          <p:nvPr>
+            <p:ph idx="1"/>
+          </p:nvPr>
+        </p:nvSpPr>
+        <p:spPr/>
+        <p:txBody>
+          <a:bodyPr numCol="2">
+            <a:normAutofit fontScale="85000" lnSpcReduction="20000"/>
+          </a:bodyPr>
+          <a:lstStyle/>
+          <a:p>
+            <a:pPr marL="514350" indent="-514350">
+              <a:buAutoNum type="arabicPeriod"/>
+            </a:pPr>
+            <a:r>
+              <a:rPr lang="es-CO" dirty="0" smtClean="0"/>
+              <a:t>Cadena</a:t>
+            </a:r>
+            <a:endParaRPr lang="es-CO" dirty="0"/>
+          </a:p>
+          <a:p>
+            <a:pPr marL="514350" indent="-514350">
+              <a:buAutoNum type="arabicPeriod"/>
+            </a:pPr>
+            <a:r>
+              <a:rPr lang="es-CO" dirty="0" smtClean="0"/>
+              <a:t>Estrella</a:t>
+            </a:r>
+          </a:p>
+          <a:p>
+            <a:pPr marL="514350" indent="-514350">
+              <a:buAutoNum type="arabicPeriod"/>
+            </a:pPr>
+            <a:r>
+              <a:rPr lang="es-CO" dirty="0" smtClean="0"/>
+              <a:t>Pedal</a:t>
+            </a:r>
+          </a:p>
+          <a:p>
+            <a:pPr marL="514350" indent="-514350">
+              <a:buAutoNum type="arabicPeriod"/>
+            </a:pPr>
+            <a:r>
+              <a:rPr lang="es-CO" dirty="0" smtClean="0"/>
+              <a:t>Biela</a:t>
+            </a:r>
+          </a:p>
+          <a:p>
+            <a:pPr marL="514350" indent="-514350">
+              <a:buAutoNum type="arabicPeriod"/>
+            </a:pPr>
+            <a:r>
+              <a:rPr lang="es-CO" dirty="0" smtClean="0"/>
+              <a:t>Cambios</a:t>
+            </a:r>
+          </a:p>
+          <a:p>
+            <a:pPr marL="514350" indent="-514350">
+              <a:buAutoNum type="arabicPeriod"/>
+            </a:pPr>
+            <a:r>
+              <a:rPr lang="es-CO" dirty="0" smtClean="0"/>
+              <a:t>Eje </a:t>
+            </a:r>
+            <a:r>
+              <a:rPr lang="es-CO" dirty="0" err="1" smtClean="0"/>
+              <a:t>pedalier</a:t>
+            </a:r>
+            <a:endParaRPr lang="es-CO" dirty="0"/>
+          </a:p>
+          <a:p>
+            <a:pPr marL="514350" indent="-514350">
+              <a:buAutoNum type="arabicPeriod"/>
+            </a:pPr>
+            <a:r>
+              <a:rPr lang="es-CO" dirty="0" smtClean="0"/>
+              <a:t>Neumático</a:t>
+            </a:r>
+          </a:p>
+          <a:p>
+            <a:pPr marL="514350" indent="-514350">
+              <a:buAutoNum type="arabicPeriod"/>
+            </a:pPr>
+            <a:r>
+              <a:rPr lang="es-CO" dirty="0" smtClean="0"/>
+              <a:t>Cubierta</a:t>
+            </a:r>
+          </a:p>
+          <a:p>
+            <a:pPr marL="514350" indent="-514350">
+              <a:buAutoNum type="arabicPeriod"/>
+            </a:pPr>
+            <a:r>
+              <a:rPr lang="es-CO" dirty="0" smtClean="0"/>
+              <a:t>Rin</a:t>
+            </a:r>
+          </a:p>
+          <a:p>
+            <a:pPr marL="514350" indent="-514350">
+              <a:buAutoNum type="arabicPeriod"/>
+            </a:pPr>
+            <a:r>
+              <a:rPr lang="es-CO" dirty="0" smtClean="0"/>
+              <a:t>Manzana</a:t>
+            </a:r>
+          </a:p>
+          <a:p>
+            <a:pPr marL="514350" indent="-514350">
+              <a:buAutoNum type="arabicPeriod"/>
+            </a:pPr>
+            <a:r>
+              <a:rPr lang="es-CO" dirty="0" smtClean="0"/>
+              <a:t>Rayos</a:t>
+            </a:r>
+          </a:p>
+          <a:p>
+            <a:pPr marL="514350" indent="-514350">
+              <a:buAutoNum type="arabicPeriod"/>
+            </a:pPr>
+            <a:r>
+              <a:rPr lang="es-CO" dirty="0" smtClean="0"/>
+              <a:t>Buje</a:t>
+            </a:r>
+          </a:p>
+          <a:p>
+            <a:pPr marL="514350" indent="-514350">
+              <a:buAutoNum type="arabicPeriod"/>
+            </a:pPr>
+            <a:r>
+              <a:rPr lang="es-CO" dirty="0" smtClean="0"/>
+              <a:t>Freno</a:t>
+            </a:r>
+          </a:p>
+          <a:p>
+            <a:pPr marL="514350" indent="-514350">
+              <a:buAutoNum type="arabicPeriod"/>
+            </a:pPr>
+            <a:r>
+              <a:rPr lang="es-CO" dirty="0" smtClean="0"/>
+              <a:t>Piñones</a:t>
+            </a:r>
+          </a:p>
+          <a:p>
+            <a:pPr marL="514350" indent="-514350">
+              <a:buAutoNum type="arabicPeriod"/>
+            </a:pPr>
+            <a:r>
+              <a:rPr lang="es-CO" dirty="0" smtClean="0"/>
+              <a:t>Espaciadores</a:t>
+            </a:r>
+          </a:p>
+          <a:p>
+            <a:pPr marL="514350" indent="-514350">
+              <a:buAutoNum type="arabicPeriod"/>
+            </a:pPr>
+            <a:r>
+              <a:rPr lang="es-CO" dirty="0" smtClean="0"/>
+              <a:t>Potencia </a:t>
+            </a:r>
+          </a:p>
+          <a:p>
+            <a:pPr marL="514350" indent="-514350">
+              <a:buAutoNum type="arabicPeriod"/>
+            </a:pPr>
+            <a:r>
+              <a:rPr lang="es-CO" dirty="0" smtClean="0"/>
+              <a:t>Mangos</a:t>
+            </a:r>
+          </a:p>
+          <a:p>
+            <a:pPr marL="514350" indent="-514350">
+              <a:buAutoNum type="arabicPeriod"/>
+            </a:pPr>
+            <a:r>
+              <a:rPr lang="es-CO" dirty="0" smtClean="0"/>
+              <a:t>Tapón</a:t>
+            </a:r>
+          </a:p>
+          <a:p>
+            <a:pPr marL="514350" indent="-514350">
+              <a:buAutoNum type="arabicPeriod"/>
+            </a:pPr>
+            <a:r>
+              <a:rPr lang="es-CO" dirty="0" smtClean="0"/>
+              <a:t>Sillín</a:t>
+            </a:r>
+          </a:p>
+          <a:p>
+            <a:pPr marL="514350" indent="-514350">
+              <a:buAutoNum type="arabicPeriod"/>
+            </a:pPr>
+            <a:r>
+              <a:rPr lang="es-CO" dirty="0" smtClean="0"/>
+              <a:t>Control de cambios</a:t>
+            </a:r>
+          </a:p>
+          <a:p>
+            <a:pPr marL="514350" indent="-514350">
+              <a:buAutoNum type="arabicPeriod"/>
+            </a:pPr>
+            <a:r>
+              <a:rPr lang="es-CO" dirty="0" smtClean="0"/>
+              <a:t>Control de frenos</a:t>
+            </a:r>
+            <a:endParaRPr lang="es-CO" dirty="0"/>
+          </a:p>
+        </p:txBody>
+      </p:sp>
+    </p:spTree>
+    <p:extLst>
+      <p:ext uri="{BB962C8B-B14F-4D97-AF65-F5344CB8AC3E}">
+        <p14:creationId xmlns:p14="http://schemas.microsoft.com/office/powerpoint/2010/main" val="3790780412"/>
       </p:ext>
     </p:extLst>
   </p:cSld>

--- a/Plant Simulation/Componentes de la bicicleta.pptx
+++ b/Plant Simulation/Componentes de la bicicleta.pptx
@@ -6,8 +6,6 @@
   </p:sldMasterIdLst>
   <p:sldIdLst>
     <p:sldId id="256" r:id="rId2"/>
-    <p:sldId id="257" r:id="rId3"/>
-    <p:sldId id="258" r:id="rId4"/>
   </p:sldIdLst>
   <p:sldSz cx="12192000" cy="6858000"/>
   <p:notesSz cx="6858000" cy="9144000"/>
@@ -156,7 +154,7 @@
           </a:lstStyle>
           <a:p>
             <a:r>
-              <a:rPr lang="es-ES" smtClean="0"/>
+              <a:rPr lang="es-ES"/>
               <a:t>Haga clic para modificar el estilo de título del patrón</a:t>
             </a:r>
             <a:endParaRPr lang="es-CO"/>
@@ -221,7 +219,7 @@
           </a:lstStyle>
           <a:p>
             <a:r>
-              <a:rPr lang="es-ES" smtClean="0"/>
+              <a:rPr lang="es-ES"/>
               <a:t>Haga clic para modificar el estilo de subtítulo del patrón</a:t>
             </a:r>
             <a:endParaRPr lang="es-CO"/>
@@ -245,7 +243,7 @@
           <a:p>
             <a:fld id="{5FDB88C0-B084-4518-B5C5-8B16C463E89B}" type="datetimeFigureOut">
               <a:rPr lang="es-CO" smtClean="0"/>
-              <a:t>17/04/2021</a:t>
+              <a:t>18/04/2021</a:t>
             </a:fld>
             <a:endParaRPr lang="es-CO"/>
           </a:p>
@@ -339,7 +337,7 @@
           <a:lstStyle/>
           <a:p>
             <a:r>
-              <a:rPr lang="es-ES" smtClean="0"/>
+              <a:rPr lang="es-ES"/>
               <a:t>Haga clic para modificar el estilo de título del patrón</a:t>
             </a:r>
             <a:endParaRPr lang="es-CO"/>
@@ -363,35 +361,35 @@
           <a:p>
             <a:pPr lvl="0"/>
             <a:r>
-              <a:rPr lang="es-ES" smtClean="0"/>
+              <a:rPr lang="es-ES"/>
               <a:t>Haga clic para modificar el estilo de texto del patrón</a:t>
             </a:r>
           </a:p>
           <a:p>
             <a:pPr lvl="1"/>
             <a:r>
-              <a:rPr lang="es-ES" smtClean="0"/>
+              <a:rPr lang="es-ES"/>
               <a:t>Segundo nivel</a:t>
             </a:r>
           </a:p>
           <a:p>
             <a:pPr lvl="2"/>
             <a:r>
-              <a:rPr lang="es-ES" smtClean="0"/>
+              <a:rPr lang="es-ES"/>
               <a:t>Tercer nivel</a:t>
             </a:r>
           </a:p>
           <a:p>
             <a:pPr lvl="3"/>
             <a:r>
-              <a:rPr lang="es-ES" smtClean="0"/>
+              <a:rPr lang="es-ES"/>
               <a:t>Cuarto nivel</a:t>
             </a:r>
           </a:p>
           <a:p>
             <a:pPr lvl="4"/>
             <a:r>
-              <a:rPr lang="es-ES" smtClean="0"/>
+              <a:rPr lang="es-ES"/>
               <a:t>Quinto nivel</a:t>
             </a:r>
             <a:endParaRPr lang="es-CO"/>
@@ -415,7 +413,7 @@
           <a:p>
             <a:fld id="{5FDB88C0-B084-4518-B5C5-8B16C463E89B}" type="datetimeFigureOut">
               <a:rPr lang="es-CO" smtClean="0"/>
-              <a:t>17/04/2021</a:t>
+              <a:t>18/04/2021</a:t>
             </a:fld>
             <a:endParaRPr lang="es-CO"/>
           </a:p>
@@ -514,7 +512,7 @@
           <a:lstStyle/>
           <a:p>
             <a:r>
-              <a:rPr lang="es-ES" smtClean="0"/>
+              <a:rPr lang="es-ES"/>
               <a:t>Haga clic para modificar el estilo de título del patrón</a:t>
             </a:r>
             <a:endParaRPr lang="es-CO"/>
@@ -543,35 +541,35 @@
           <a:p>
             <a:pPr lvl="0"/>
             <a:r>
-              <a:rPr lang="es-ES" smtClean="0"/>
+              <a:rPr lang="es-ES"/>
               <a:t>Haga clic para modificar el estilo de texto del patrón</a:t>
             </a:r>
           </a:p>
           <a:p>
             <a:pPr lvl="1"/>
             <a:r>
-              <a:rPr lang="es-ES" smtClean="0"/>
+              <a:rPr lang="es-ES"/>
               <a:t>Segundo nivel</a:t>
             </a:r>
           </a:p>
           <a:p>
             <a:pPr lvl="2"/>
             <a:r>
-              <a:rPr lang="es-ES" smtClean="0"/>
+              <a:rPr lang="es-ES"/>
               <a:t>Tercer nivel</a:t>
             </a:r>
           </a:p>
           <a:p>
             <a:pPr lvl="3"/>
             <a:r>
-              <a:rPr lang="es-ES" smtClean="0"/>
+              <a:rPr lang="es-ES"/>
               <a:t>Cuarto nivel</a:t>
             </a:r>
           </a:p>
           <a:p>
             <a:pPr lvl="4"/>
             <a:r>
-              <a:rPr lang="es-ES" smtClean="0"/>
+              <a:rPr lang="es-ES"/>
               <a:t>Quinto nivel</a:t>
             </a:r>
             <a:endParaRPr lang="es-CO"/>
@@ -595,7 +593,7 @@
           <a:p>
             <a:fld id="{5FDB88C0-B084-4518-B5C5-8B16C463E89B}" type="datetimeFigureOut">
               <a:rPr lang="es-CO" smtClean="0"/>
-              <a:t>17/04/2021</a:t>
+              <a:t>18/04/2021</a:t>
             </a:fld>
             <a:endParaRPr lang="es-CO"/>
           </a:p>
@@ -689,7 +687,7 @@
           <a:lstStyle/>
           <a:p>
             <a:r>
-              <a:rPr lang="es-ES" smtClean="0"/>
+              <a:rPr lang="es-ES"/>
               <a:t>Haga clic para modificar el estilo de título del patrón</a:t>
             </a:r>
             <a:endParaRPr lang="es-CO"/>
@@ -713,35 +711,35 @@
           <a:p>
             <a:pPr lvl="0"/>
             <a:r>
-              <a:rPr lang="es-ES" smtClean="0"/>
+              <a:rPr lang="es-ES"/>
               <a:t>Haga clic para modificar el estilo de texto del patrón</a:t>
             </a:r>
           </a:p>
           <a:p>
             <a:pPr lvl="1"/>
             <a:r>
-              <a:rPr lang="es-ES" smtClean="0"/>
+              <a:rPr lang="es-ES"/>
               <a:t>Segundo nivel</a:t>
             </a:r>
           </a:p>
           <a:p>
             <a:pPr lvl="2"/>
             <a:r>
-              <a:rPr lang="es-ES" smtClean="0"/>
+              <a:rPr lang="es-ES"/>
               <a:t>Tercer nivel</a:t>
             </a:r>
           </a:p>
           <a:p>
             <a:pPr lvl="3"/>
             <a:r>
-              <a:rPr lang="es-ES" smtClean="0"/>
+              <a:rPr lang="es-ES"/>
               <a:t>Cuarto nivel</a:t>
             </a:r>
           </a:p>
           <a:p>
             <a:pPr lvl="4"/>
             <a:r>
-              <a:rPr lang="es-ES" smtClean="0"/>
+              <a:rPr lang="es-ES"/>
               <a:t>Quinto nivel</a:t>
             </a:r>
             <a:endParaRPr lang="es-CO"/>
@@ -765,7 +763,7 @@
           <a:p>
             <a:fld id="{5FDB88C0-B084-4518-B5C5-8B16C463E89B}" type="datetimeFigureOut">
               <a:rPr lang="es-CO" smtClean="0"/>
-              <a:t>17/04/2021</a:t>
+              <a:t>18/04/2021</a:t>
             </a:fld>
             <a:endParaRPr lang="es-CO"/>
           </a:p>
@@ -868,7 +866,7 @@
           </a:lstStyle>
           <a:p>
             <a:r>
-              <a:rPr lang="es-ES" smtClean="0"/>
+              <a:rPr lang="es-ES"/>
               <a:t>Haga clic para modificar el estilo de título del patrón</a:t>
             </a:r>
             <a:endParaRPr lang="es-CO"/>
@@ -988,7 +986,7 @@
           <a:p>
             <a:pPr lvl="0"/>
             <a:r>
-              <a:rPr lang="es-ES" smtClean="0"/>
+              <a:rPr lang="es-ES"/>
               <a:t>Haga clic para modificar el estilo de texto del patrón</a:t>
             </a:r>
           </a:p>
@@ -1011,7 +1009,7 @@
           <a:p>
             <a:fld id="{5FDB88C0-B084-4518-B5C5-8B16C463E89B}" type="datetimeFigureOut">
               <a:rPr lang="es-CO" smtClean="0"/>
-              <a:t>17/04/2021</a:t>
+              <a:t>18/04/2021</a:t>
             </a:fld>
             <a:endParaRPr lang="es-CO"/>
           </a:p>
@@ -1105,7 +1103,7 @@
           <a:lstStyle/>
           <a:p>
             <a:r>
-              <a:rPr lang="es-ES" smtClean="0"/>
+              <a:rPr lang="es-ES"/>
               <a:t>Haga clic para modificar el estilo de título del patrón</a:t>
             </a:r>
             <a:endParaRPr lang="es-CO"/>
@@ -1134,35 +1132,35 @@
           <a:p>
             <a:pPr lvl="0"/>
             <a:r>
-              <a:rPr lang="es-ES" smtClean="0"/>
+              <a:rPr lang="es-ES"/>
               <a:t>Haga clic para modificar el estilo de texto del patrón</a:t>
             </a:r>
           </a:p>
           <a:p>
             <a:pPr lvl="1"/>
             <a:r>
-              <a:rPr lang="es-ES" smtClean="0"/>
+              <a:rPr lang="es-ES"/>
               <a:t>Segundo nivel</a:t>
             </a:r>
           </a:p>
           <a:p>
             <a:pPr lvl="2"/>
             <a:r>
-              <a:rPr lang="es-ES" smtClean="0"/>
+              <a:rPr lang="es-ES"/>
               <a:t>Tercer nivel</a:t>
             </a:r>
           </a:p>
           <a:p>
             <a:pPr lvl="3"/>
             <a:r>
-              <a:rPr lang="es-ES" smtClean="0"/>
+              <a:rPr lang="es-ES"/>
               <a:t>Cuarto nivel</a:t>
             </a:r>
           </a:p>
           <a:p>
             <a:pPr lvl="4"/>
             <a:r>
-              <a:rPr lang="es-ES" smtClean="0"/>
+              <a:rPr lang="es-ES"/>
               <a:t>Quinto nivel</a:t>
             </a:r>
             <a:endParaRPr lang="es-CO"/>
@@ -1191,35 +1189,35 @@
           <a:p>
             <a:pPr lvl="0"/>
             <a:r>
-              <a:rPr lang="es-ES" smtClean="0"/>
+              <a:rPr lang="es-ES"/>
               <a:t>Haga clic para modificar el estilo de texto del patrón</a:t>
             </a:r>
           </a:p>
           <a:p>
             <a:pPr lvl="1"/>
             <a:r>
-              <a:rPr lang="es-ES" smtClean="0"/>
+              <a:rPr lang="es-ES"/>
               <a:t>Segundo nivel</a:t>
             </a:r>
           </a:p>
           <a:p>
             <a:pPr lvl="2"/>
             <a:r>
-              <a:rPr lang="es-ES" smtClean="0"/>
+              <a:rPr lang="es-ES"/>
               <a:t>Tercer nivel</a:t>
             </a:r>
           </a:p>
           <a:p>
             <a:pPr lvl="3"/>
             <a:r>
-              <a:rPr lang="es-ES" smtClean="0"/>
+              <a:rPr lang="es-ES"/>
               <a:t>Cuarto nivel</a:t>
             </a:r>
           </a:p>
           <a:p>
             <a:pPr lvl="4"/>
             <a:r>
-              <a:rPr lang="es-ES" smtClean="0"/>
+              <a:rPr lang="es-ES"/>
               <a:t>Quinto nivel</a:t>
             </a:r>
             <a:endParaRPr lang="es-CO"/>
@@ -1243,7 +1241,7 @@
           <a:p>
             <a:fld id="{5FDB88C0-B084-4518-B5C5-8B16C463E89B}" type="datetimeFigureOut">
               <a:rPr lang="es-CO" smtClean="0"/>
-              <a:t>17/04/2021</a:t>
+              <a:t>18/04/2021</a:t>
             </a:fld>
             <a:endParaRPr lang="es-CO"/>
           </a:p>
@@ -1342,7 +1340,7 @@
           <a:lstStyle/>
           <a:p>
             <a:r>
-              <a:rPr lang="es-ES" smtClean="0"/>
+              <a:rPr lang="es-ES"/>
               <a:t>Haga clic para modificar el estilo de título del patrón</a:t>
             </a:r>
             <a:endParaRPr lang="es-CO"/>
@@ -1408,7 +1406,7 @@
           <a:p>
             <a:pPr lvl="0"/>
             <a:r>
-              <a:rPr lang="es-ES" smtClean="0"/>
+              <a:rPr lang="es-ES"/>
               <a:t>Haga clic para modificar el estilo de texto del patrón</a:t>
             </a:r>
           </a:p>
@@ -1436,35 +1434,35 @@
           <a:p>
             <a:pPr lvl="0"/>
             <a:r>
-              <a:rPr lang="es-ES" smtClean="0"/>
+              <a:rPr lang="es-ES"/>
               <a:t>Haga clic para modificar el estilo de texto del patrón</a:t>
             </a:r>
           </a:p>
           <a:p>
             <a:pPr lvl="1"/>
             <a:r>
-              <a:rPr lang="es-ES" smtClean="0"/>
+              <a:rPr lang="es-ES"/>
               <a:t>Segundo nivel</a:t>
             </a:r>
           </a:p>
           <a:p>
             <a:pPr lvl="2"/>
             <a:r>
-              <a:rPr lang="es-ES" smtClean="0"/>
+              <a:rPr lang="es-ES"/>
               <a:t>Tercer nivel</a:t>
             </a:r>
           </a:p>
           <a:p>
             <a:pPr lvl="3"/>
             <a:r>
-              <a:rPr lang="es-ES" smtClean="0"/>
+              <a:rPr lang="es-ES"/>
               <a:t>Cuarto nivel</a:t>
             </a:r>
           </a:p>
           <a:p>
             <a:pPr lvl="4"/>
             <a:r>
-              <a:rPr lang="es-ES" smtClean="0"/>
+              <a:rPr lang="es-ES"/>
               <a:t>Quinto nivel</a:t>
             </a:r>
             <a:endParaRPr lang="es-CO"/>
@@ -1530,7 +1528,7 @@
           <a:p>
             <a:pPr lvl="0"/>
             <a:r>
-              <a:rPr lang="es-ES" smtClean="0"/>
+              <a:rPr lang="es-ES"/>
               <a:t>Haga clic para modificar el estilo de texto del patrón</a:t>
             </a:r>
           </a:p>
@@ -1558,35 +1556,35 @@
           <a:p>
             <a:pPr lvl="0"/>
             <a:r>
-              <a:rPr lang="es-ES" smtClean="0"/>
+              <a:rPr lang="es-ES"/>
               <a:t>Haga clic para modificar el estilo de texto del patrón</a:t>
             </a:r>
           </a:p>
           <a:p>
             <a:pPr lvl="1"/>
             <a:r>
-              <a:rPr lang="es-ES" smtClean="0"/>
+              <a:rPr lang="es-ES"/>
               <a:t>Segundo nivel</a:t>
             </a:r>
           </a:p>
           <a:p>
             <a:pPr lvl="2"/>
             <a:r>
-              <a:rPr lang="es-ES" smtClean="0"/>
+              <a:rPr lang="es-ES"/>
               <a:t>Tercer nivel</a:t>
             </a:r>
           </a:p>
           <a:p>
             <a:pPr lvl="3"/>
             <a:r>
-              <a:rPr lang="es-ES" smtClean="0"/>
+              <a:rPr lang="es-ES"/>
               <a:t>Cuarto nivel</a:t>
             </a:r>
           </a:p>
           <a:p>
             <a:pPr lvl="4"/>
             <a:r>
-              <a:rPr lang="es-ES" smtClean="0"/>
+              <a:rPr lang="es-ES"/>
               <a:t>Quinto nivel</a:t>
             </a:r>
             <a:endParaRPr lang="es-CO"/>
@@ -1610,7 +1608,7 @@
           <a:p>
             <a:fld id="{5FDB88C0-B084-4518-B5C5-8B16C463E89B}" type="datetimeFigureOut">
               <a:rPr lang="es-CO" smtClean="0"/>
-              <a:t>17/04/2021</a:t>
+              <a:t>18/04/2021</a:t>
             </a:fld>
             <a:endParaRPr lang="es-CO"/>
           </a:p>
@@ -1704,7 +1702,7 @@
           <a:lstStyle/>
           <a:p>
             <a:r>
-              <a:rPr lang="es-ES" smtClean="0"/>
+              <a:rPr lang="es-ES"/>
               <a:t>Haga clic para modificar el estilo de título del patrón</a:t>
             </a:r>
             <a:endParaRPr lang="es-CO"/>
@@ -1728,7 +1726,7 @@
           <a:p>
             <a:fld id="{5FDB88C0-B084-4518-B5C5-8B16C463E89B}" type="datetimeFigureOut">
               <a:rPr lang="es-CO" smtClean="0"/>
-              <a:t>17/04/2021</a:t>
+              <a:t>18/04/2021</a:t>
             </a:fld>
             <a:endParaRPr lang="es-CO"/>
           </a:p>
@@ -1823,7 +1821,7 @@
           <a:p>
             <a:fld id="{5FDB88C0-B084-4518-B5C5-8B16C463E89B}" type="datetimeFigureOut">
               <a:rPr lang="es-CO" smtClean="0"/>
-              <a:t>17/04/2021</a:t>
+              <a:t>18/04/2021</a:t>
             </a:fld>
             <a:endParaRPr lang="es-CO"/>
           </a:p>
@@ -1926,7 +1924,7 @@
           </a:lstStyle>
           <a:p>
             <a:r>
-              <a:rPr lang="es-ES" smtClean="0"/>
+              <a:rPr lang="es-ES"/>
               <a:t>Haga clic para modificar el estilo de título del patrón</a:t>
             </a:r>
             <a:endParaRPr lang="es-CO"/>
@@ -1983,35 +1981,35 @@
           <a:p>
             <a:pPr lvl="0"/>
             <a:r>
-              <a:rPr lang="es-ES" smtClean="0"/>
+              <a:rPr lang="es-ES"/>
               <a:t>Haga clic para modificar el estilo de texto del patrón</a:t>
             </a:r>
           </a:p>
           <a:p>
             <a:pPr lvl="1"/>
             <a:r>
-              <a:rPr lang="es-ES" smtClean="0"/>
+              <a:rPr lang="es-ES"/>
               <a:t>Segundo nivel</a:t>
             </a:r>
           </a:p>
           <a:p>
             <a:pPr lvl="2"/>
             <a:r>
-              <a:rPr lang="es-ES" smtClean="0"/>
+              <a:rPr lang="es-ES"/>
               <a:t>Tercer nivel</a:t>
             </a:r>
           </a:p>
           <a:p>
             <a:pPr lvl="3"/>
             <a:r>
-              <a:rPr lang="es-ES" smtClean="0"/>
+              <a:rPr lang="es-ES"/>
               <a:t>Cuarto nivel</a:t>
             </a:r>
           </a:p>
           <a:p>
             <a:pPr lvl="4"/>
             <a:r>
-              <a:rPr lang="es-ES" smtClean="0"/>
+              <a:rPr lang="es-ES"/>
               <a:t>Quinto nivel</a:t>
             </a:r>
             <a:endParaRPr lang="es-CO"/>
@@ -2077,7 +2075,7 @@
           <a:p>
             <a:pPr lvl="0"/>
             <a:r>
-              <a:rPr lang="es-ES" smtClean="0"/>
+              <a:rPr lang="es-ES"/>
               <a:t>Haga clic para modificar el estilo de texto del patrón</a:t>
             </a:r>
           </a:p>
@@ -2100,7 +2098,7 @@
           <a:p>
             <a:fld id="{5FDB88C0-B084-4518-B5C5-8B16C463E89B}" type="datetimeFigureOut">
               <a:rPr lang="es-CO" smtClean="0"/>
-              <a:t>17/04/2021</a:t>
+              <a:t>18/04/2021</a:t>
             </a:fld>
             <a:endParaRPr lang="es-CO"/>
           </a:p>
@@ -2203,7 +2201,7 @@
           </a:lstStyle>
           <a:p>
             <a:r>
-              <a:rPr lang="es-ES" smtClean="0"/>
+              <a:rPr lang="es-ES"/>
               <a:t>Haga clic para modificar el estilo de título del patrón</a:t>
             </a:r>
             <a:endParaRPr lang="es-CO"/>
@@ -2330,7 +2328,7 @@
           <a:p>
             <a:pPr lvl="0"/>
             <a:r>
-              <a:rPr lang="es-ES" smtClean="0"/>
+              <a:rPr lang="es-ES"/>
               <a:t>Haga clic para modificar el estilo de texto del patrón</a:t>
             </a:r>
           </a:p>
@@ -2353,7 +2351,7 @@
           <a:p>
             <a:fld id="{5FDB88C0-B084-4518-B5C5-8B16C463E89B}" type="datetimeFigureOut">
               <a:rPr lang="es-CO" smtClean="0"/>
-              <a:t>17/04/2021</a:t>
+              <a:t>18/04/2021</a:t>
             </a:fld>
             <a:endParaRPr lang="es-CO"/>
           </a:p>
@@ -2462,7 +2460,7 @@
           <a:lstStyle/>
           <a:p>
             <a:r>
-              <a:rPr lang="es-ES" smtClean="0"/>
+              <a:rPr lang="es-ES"/>
               <a:t>Haga clic para modificar el estilo de título del patrón</a:t>
             </a:r>
             <a:endParaRPr lang="es-CO"/>
@@ -2496,35 +2494,35 @@
           <a:p>
             <a:pPr lvl="0"/>
             <a:r>
-              <a:rPr lang="es-ES" smtClean="0"/>
+              <a:rPr lang="es-ES"/>
               <a:t>Haga clic para modificar el estilo de texto del patrón</a:t>
             </a:r>
           </a:p>
           <a:p>
             <a:pPr lvl="1"/>
             <a:r>
-              <a:rPr lang="es-ES" smtClean="0"/>
+              <a:rPr lang="es-ES"/>
               <a:t>Segundo nivel</a:t>
             </a:r>
           </a:p>
           <a:p>
             <a:pPr lvl="2"/>
             <a:r>
-              <a:rPr lang="es-ES" smtClean="0"/>
+              <a:rPr lang="es-ES"/>
               <a:t>Tercer nivel</a:t>
             </a:r>
           </a:p>
           <a:p>
             <a:pPr lvl="3"/>
             <a:r>
-              <a:rPr lang="es-ES" smtClean="0"/>
+              <a:rPr lang="es-ES"/>
               <a:t>Cuarto nivel</a:t>
             </a:r>
           </a:p>
           <a:p>
             <a:pPr lvl="4"/>
             <a:r>
-              <a:rPr lang="es-ES" smtClean="0"/>
+              <a:rPr lang="es-ES"/>
               <a:t>Quinto nivel</a:t>
             </a:r>
             <a:endParaRPr lang="es-CO"/>
@@ -2566,7 +2564,7 @@
           <a:p>
             <a:fld id="{5FDB88C0-B084-4518-B5C5-8B16C463E89B}" type="datetimeFigureOut">
               <a:rPr lang="es-CO" smtClean="0"/>
-              <a:t>17/04/2021</a:t>
+              <a:t>18/04/2021</a:t>
             </a:fld>
             <a:endParaRPr lang="es-CO"/>
           </a:p>
@@ -3419,10 +3417,9 @@
           <a:lstStyle/>
           <a:p>
             <a:r>
-              <a:rPr lang="es-CO" dirty="0" smtClean="0"/>
+              <a:rPr lang="es-CO" dirty="0"/>
               <a:t>Marco</a:t>
             </a:r>
-            <a:endParaRPr lang="es-CO" dirty="0"/>
           </a:p>
         </p:txBody>
       </p:sp>
@@ -3449,10 +3446,9 @@
           <a:lstStyle/>
           <a:p>
             <a:r>
-              <a:rPr lang="es-CO" dirty="0" smtClean="0"/>
-              <a:t>Llanta y manubrio</a:t>
-            </a:r>
-            <a:endParaRPr lang="es-CO" dirty="0"/>
+              <a:rPr lang="es-CO" dirty="0"/>
+              <a:t>Rueda y dirección</a:t>
+            </a:r>
           </a:p>
         </p:txBody>
       </p:sp>
@@ -3479,10 +3475,9 @@
           <a:lstStyle/>
           <a:p>
             <a:r>
-              <a:rPr lang="es-CO" dirty="0" smtClean="0"/>
+              <a:rPr lang="es-CO" dirty="0"/>
               <a:t>Sistema de transmisión</a:t>
             </a:r>
-            <a:endParaRPr lang="es-CO" dirty="0"/>
           </a:p>
         </p:txBody>
       </p:sp>
@@ -3509,8 +3504,8 @@
           <a:lstStyle/>
           <a:p>
             <a:r>
-              <a:rPr lang="es-CO" sz="1400" dirty="0" smtClean="0"/>
-              <a:t>Llanta</a:t>
+              <a:rPr lang="es-CO" sz="1400" dirty="0"/>
+              <a:t>Rueda</a:t>
             </a:r>
           </a:p>
           <a:p>
@@ -3518,7 +3513,7 @@
               <a:buAutoNum type="arabicPeriod"/>
             </a:pPr>
             <a:r>
-              <a:rPr lang="es-CO" sz="1400" dirty="0" smtClean="0"/>
+              <a:rPr lang="es-CO" sz="1400" dirty="0"/>
               <a:t>Neumático</a:t>
             </a:r>
           </a:p>
@@ -3527,8 +3522,8 @@
               <a:buAutoNum type="arabicPeriod"/>
             </a:pPr>
             <a:r>
-              <a:rPr lang="es-CO" sz="1400" dirty="0" smtClean="0"/>
-              <a:t>Cubierta</a:t>
+              <a:rPr lang="es-CO" sz="1400" dirty="0"/>
+              <a:t>Coraza</a:t>
             </a:r>
           </a:p>
           <a:p>
@@ -3536,7 +3531,7 @@
               <a:buAutoNum type="arabicPeriod"/>
             </a:pPr>
             <a:r>
-              <a:rPr lang="es-CO" sz="1400" dirty="0" smtClean="0"/>
+              <a:rPr lang="es-CO" sz="1400" dirty="0"/>
               <a:t>Rin</a:t>
             </a:r>
           </a:p>
@@ -3545,7 +3540,7 @@
               <a:buAutoNum type="arabicPeriod"/>
             </a:pPr>
             <a:r>
-              <a:rPr lang="es-CO" sz="1400" dirty="0" smtClean="0"/>
+              <a:rPr lang="es-CO" sz="1400" dirty="0"/>
               <a:t>Manzana</a:t>
             </a:r>
           </a:p>
@@ -3554,7 +3549,7 @@
               <a:buAutoNum type="arabicPeriod"/>
             </a:pPr>
             <a:r>
-              <a:rPr lang="es-CO" sz="1400" dirty="0" smtClean="0"/>
+              <a:rPr lang="es-CO" sz="1400" dirty="0"/>
               <a:t>Rayos</a:t>
             </a:r>
           </a:p>
@@ -3563,7 +3558,7 @@
               <a:buAutoNum type="arabicPeriod"/>
             </a:pPr>
             <a:r>
-              <a:rPr lang="es-CO" sz="1400" dirty="0" smtClean="0"/>
+              <a:rPr lang="es-CO" sz="1400" dirty="0"/>
               <a:t>Buje</a:t>
             </a:r>
           </a:p>
@@ -3572,7 +3567,7 @@
               <a:buAutoNum type="arabicPeriod"/>
             </a:pPr>
             <a:r>
-              <a:rPr lang="es-CO" sz="1400" dirty="0" smtClean="0"/>
+              <a:rPr lang="es-CO" sz="1400" dirty="0"/>
               <a:t>Freno</a:t>
             </a:r>
           </a:p>
@@ -3581,10 +3576,9 @@
               <a:buAutoNum type="arabicPeriod"/>
             </a:pPr>
             <a:r>
-              <a:rPr lang="es-CO" sz="1400" dirty="0" smtClean="0"/>
+              <a:rPr lang="es-CO" sz="1400" dirty="0"/>
               <a:t>Piñones </a:t>
             </a:r>
-            <a:endParaRPr lang="es-CO" sz="1400" dirty="0"/>
           </a:p>
         </p:txBody>
       </p:sp>
@@ -3611,7 +3605,7 @@
           <a:lstStyle/>
           <a:p>
             <a:r>
-              <a:rPr lang="es-CO" sz="1400" dirty="0" smtClean="0"/>
+              <a:rPr lang="es-CO" sz="1400" dirty="0"/>
               <a:t>Marco</a:t>
             </a:r>
           </a:p>
@@ -3620,7 +3614,7 @@
               <a:buAutoNum type="arabicPeriod"/>
             </a:pPr>
             <a:r>
-              <a:rPr lang="es-CO" sz="1400" dirty="0" smtClean="0"/>
+              <a:rPr lang="es-CO" sz="1400" dirty="0"/>
               <a:t>Tubo superior</a:t>
             </a:r>
           </a:p>
@@ -3629,7 +3623,7 @@
               <a:buAutoNum type="arabicPeriod"/>
             </a:pPr>
             <a:r>
-              <a:rPr lang="es-CO" sz="1400" dirty="0" smtClean="0"/>
+              <a:rPr lang="es-CO" sz="1400" dirty="0"/>
               <a:t>Tubo inferior</a:t>
             </a:r>
           </a:p>
@@ -3638,7 +3632,7 @@
               <a:buAutoNum type="arabicPeriod"/>
             </a:pPr>
             <a:r>
-              <a:rPr lang="es-CO" sz="1400" dirty="0" smtClean="0"/>
+              <a:rPr lang="es-CO" sz="1400" dirty="0"/>
               <a:t>Tubo del asiento</a:t>
             </a:r>
           </a:p>
@@ -3647,7 +3641,7 @@
               <a:buAutoNum type="arabicPeriod"/>
             </a:pPr>
             <a:r>
-              <a:rPr lang="es-CO" sz="1400" dirty="0" smtClean="0"/>
+              <a:rPr lang="es-CO" sz="1400" dirty="0"/>
               <a:t>Vaina superior</a:t>
             </a:r>
           </a:p>
@@ -3656,7 +3650,7 @@
               <a:buAutoNum type="arabicPeriod"/>
             </a:pPr>
             <a:r>
-              <a:rPr lang="es-CO" sz="1400" dirty="0" smtClean="0"/>
+              <a:rPr lang="es-CO" sz="1400" dirty="0"/>
               <a:t>Vaina inferior</a:t>
             </a:r>
           </a:p>
@@ -3665,8 +3659,8 @@
               <a:buAutoNum type="arabicPeriod"/>
             </a:pPr>
             <a:r>
-              <a:rPr lang="es-CO" sz="1400" dirty="0" smtClean="0"/>
-              <a:t>Punteras</a:t>
+              <a:rPr lang="es-CO" sz="1400" dirty="0"/>
+              <a:t>Punteras traseras</a:t>
             </a:r>
           </a:p>
           <a:p>
@@ -3674,7 +3668,7 @@
               <a:buAutoNum type="arabicPeriod"/>
             </a:pPr>
             <a:r>
-              <a:rPr lang="es-CO" sz="1400" dirty="0" smtClean="0"/>
+              <a:rPr lang="es-CO" sz="1400" dirty="0"/>
               <a:t>Telescopio</a:t>
             </a:r>
           </a:p>
@@ -3683,7 +3677,7 @@
               <a:buAutoNum type="arabicPeriod"/>
             </a:pPr>
             <a:r>
-              <a:rPr lang="es-CO" sz="1400" dirty="0" smtClean="0"/>
+              <a:rPr lang="es-CO" sz="1400" dirty="0"/>
               <a:t>Manga asiento</a:t>
             </a:r>
           </a:p>
@@ -3692,7 +3686,7 @@
               <a:buAutoNum type="arabicPeriod"/>
             </a:pPr>
             <a:r>
-              <a:rPr lang="es-CO" sz="1400" dirty="0" smtClean="0"/>
+              <a:rPr lang="es-CO" sz="1400" dirty="0"/>
               <a:t>Pedalier</a:t>
             </a:r>
           </a:p>
@@ -5317,8 +5311,8 @@
           </a:prstGeom>
         </p:spPr>
       </p:pic>
-      <mc:AlternateContent xmlns:mc="http://schemas.openxmlformats.org/markup-compatibility/2006" xmlns:a14="http://schemas.microsoft.com/office/drawing/2010/main">
-        <mc:Choice Requires="a14">
+      <mc:AlternateContent xmlns:mc="http://schemas.openxmlformats.org/markup-compatibility/2006">
+        <mc:Choice xmlns:a14="http://schemas.microsoft.com/office/drawing/2010/main" Requires="a14">
           <p:sp>
             <p:nvSpPr>
               <p:cNvPr id="57" name="CuadroTexto 56"/>
@@ -5327,7 +5321,7 @@
             </p:nvSpPr>
             <p:spPr>
               <a:xfrm>
-                <a:off x="6011261" y="4451275"/>
+                <a:off x="6039368" y="4538538"/>
                 <a:ext cx="151393" cy="184666"/>
               </a:xfrm>
               <a:prstGeom prst="rect">
@@ -5369,7 +5363,7 @@
             </p:txBody>
           </p:sp>
         </mc:Choice>
-        <mc:Fallback xmlns="">
+        <mc:Fallback>
           <p:sp>
             <p:nvSpPr>
               <p:cNvPr id="57" name="CuadroTexto 56"/>
@@ -5380,14 +5374,14 @@
             </p:nvSpPr>
             <p:spPr>
               <a:xfrm>
-                <a:off x="6011261" y="4451275"/>
+                <a:off x="6039368" y="4538538"/>
                 <a:ext cx="151393" cy="184666"/>
               </a:xfrm>
               <a:prstGeom prst="rect">
                 <a:avLst/>
               </a:prstGeom>
-              <a:blipFill rotWithShape="0">
-                <a:blip r:embed="rId7"/>
+              <a:blipFill>
+                <a:blip r:embed="rId19"/>
                 <a:stretch>
                   <a:fillRect l="-16000" r="-12000" b="-6667"/>
                 </a:stretch>
@@ -5689,8 +5683,8 @@
         </p:nvSpPr>
         <p:spPr>
           <a:xfrm>
-            <a:off x="5371382" y="5085910"/>
-            <a:ext cx="2030081" cy="1384995"/>
+            <a:off x="5466026" y="4899776"/>
+            <a:ext cx="2030081" cy="1815882"/>
           </a:xfrm>
           <a:prstGeom prst="rect">
             <a:avLst/>
@@ -5704,8 +5698,8 @@
           <a:lstStyle/>
           <a:p>
             <a:r>
-              <a:rPr lang="es-CO" sz="1400" dirty="0" smtClean="0"/>
-              <a:t>Manubrio</a:t>
+              <a:rPr lang="es-CO" sz="1400" dirty="0"/>
+              <a:t>Dirección</a:t>
             </a:r>
           </a:p>
           <a:p>
@@ -5713,8 +5707,8 @@
               <a:buAutoNum type="arabicPeriod"/>
             </a:pPr>
             <a:r>
-              <a:rPr lang="es-CO" sz="1400" dirty="0" smtClean="0"/>
-              <a:t>Tubo de manubrio</a:t>
+              <a:rPr lang="es-CO" sz="1400" dirty="0"/>
+              <a:t>Manubrio</a:t>
             </a:r>
           </a:p>
           <a:p>
@@ -5722,7 +5716,7 @@
               <a:buAutoNum type="arabicPeriod"/>
             </a:pPr>
             <a:r>
-              <a:rPr lang="es-CO" sz="1400" dirty="0" smtClean="0"/>
+              <a:rPr lang="es-CO" sz="1400" dirty="0"/>
               <a:t>Espaciadores</a:t>
             </a:r>
           </a:p>
@@ -5731,7 +5725,7 @@
               <a:buAutoNum type="arabicPeriod"/>
             </a:pPr>
             <a:r>
-              <a:rPr lang="es-CO" sz="1400" dirty="0" smtClean="0"/>
+              <a:rPr lang="es-CO" sz="1400" dirty="0"/>
               <a:t>Potencia</a:t>
             </a:r>
           </a:p>
@@ -5740,18 +5734,35 @@
               <a:buAutoNum type="arabicPeriod"/>
             </a:pPr>
             <a:r>
-              <a:rPr lang="es-CO" sz="1400" dirty="0" smtClean="0"/>
+              <a:rPr lang="es-CO" sz="1400" dirty="0"/>
               <a:t>Mangos</a:t>
             </a:r>
-            <a:endParaRPr lang="es-CO" sz="1400" dirty="0"/>
           </a:p>
           <a:p>
             <a:pPr marL="342900" indent="-342900">
               <a:buAutoNum type="arabicPeriod"/>
             </a:pPr>
             <a:r>
-              <a:rPr lang="es-CO" sz="1400" dirty="0" smtClean="0"/>
+              <a:rPr lang="es-CO" sz="1400" dirty="0"/>
               <a:t>Tapón</a:t>
+            </a:r>
+          </a:p>
+          <a:p>
+            <a:pPr marL="342900" indent="-342900">
+              <a:buAutoNum type="arabicPeriod"/>
+            </a:pPr>
+            <a:r>
+              <a:rPr lang="es-CO" sz="1400" dirty="0"/>
+              <a:t>Tijera</a:t>
+            </a:r>
+          </a:p>
+          <a:p>
+            <a:pPr marL="342900" indent="-342900">
+              <a:buAutoNum type="arabicPeriod"/>
+            </a:pPr>
+            <a:r>
+              <a:rPr lang="es-CO" sz="1400" dirty="0"/>
+              <a:t>Punteras delanteras</a:t>
             </a:r>
           </a:p>
         </p:txBody>
@@ -5779,7 +5790,7 @@
           <a:lstStyle/>
           <a:p>
             <a:r>
-              <a:rPr lang="es-CO" sz="1400" dirty="0" smtClean="0"/>
+              <a:rPr lang="es-CO" sz="1400" dirty="0"/>
               <a:t>Sistema de transmisión</a:t>
             </a:r>
           </a:p>
@@ -5788,7 +5799,7 @@
               <a:buAutoNum type="arabicPeriod"/>
             </a:pPr>
             <a:r>
-              <a:rPr lang="es-CO" sz="1400" dirty="0" smtClean="0"/>
+              <a:rPr lang="es-CO" sz="1400" dirty="0"/>
               <a:t>Cadena</a:t>
             </a:r>
           </a:p>
@@ -5797,7 +5808,7 @@
               <a:buAutoNum type="arabicPeriod"/>
             </a:pPr>
             <a:r>
-              <a:rPr lang="es-CO" sz="1400" dirty="0" smtClean="0"/>
+              <a:rPr lang="es-CO" sz="1400" dirty="0"/>
               <a:t>Estrella</a:t>
             </a:r>
           </a:p>
@@ -5806,17 +5817,16 @@
               <a:buAutoNum type="arabicPeriod"/>
             </a:pPr>
             <a:r>
-              <a:rPr lang="es-CO" sz="1400" dirty="0" smtClean="0"/>
+              <a:rPr lang="es-CO" sz="1400" dirty="0"/>
               <a:t>Pedal</a:t>
             </a:r>
-            <a:endParaRPr lang="es-CO" sz="1400" dirty="0"/>
           </a:p>
           <a:p>
             <a:pPr marL="342900" indent="-342900">
               <a:buAutoNum type="arabicPeriod"/>
             </a:pPr>
             <a:r>
-              <a:rPr lang="es-CO" sz="1400" dirty="0" smtClean="0"/>
+              <a:rPr lang="es-CO" sz="1400" dirty="0"/>
               <a:t>Biela</a:t>
             </a:r>
           </a:p>
@@ -5825,7 +5835,7 @@
               <a:buAutoNum type="arabicPeriod"/>
             </a:pPr>
             <a:r>
-              <a:rPr lang="es-CO" sz="1400" dirty="0" smtClean="0"/>
+              <a:rPr lang="es-CO" sz="1400" dirty="0"/>
               <a:t>Cambios</a:t>
             </a:r>
           </a:p>
@@ -5834,7 +5844,7 @@
               <a:buAutoNum type="arabicPeriod"/>
             </a:pPr>
             <a:r>
-              <a:rPr lang="es-CO" sz="1400" dirty="0" smtClean="0"/>
+              <a:rPr lang="es-CO" sz="1400" dirty="0"/>
               <a:t>Eje pedalier</a:t>
             </a:r>
           </a:p>
@@ -5848,8 +5858,8 @@
         </p:nvSpPr>
         <p:spPr>
           <a:xfrm>
-            <a:off x="7661941" y="4899776"/>
-            <a:ext cx="2048633" cy="1384995"/>
+            <a:off x="7638581" y="4575977"/>
+            <a:ext cx="2048633" cy="1169551"/>
           </a:xfrm>
           <a:prstGeom prst="rect">
             <a:avLst/>
@@ -5863,7 +5873,7 @@
           <a:lstStyle/>
           <a:p>
             <a:r>
-              <a:rPr lang="es-CO" sz="1400" dirty="0" smtClean="0"/>
+              <a:rPr lang="es-CO" sz="1400" dirty="0"/>
               <a:t>Piezas individuales</a:t>
             </a:r>
           </a:p>
@@ -5873,7 +5883,7 @@
               <a:buChar char="-"/>
             </a:pPr>
             <a:r>
-              <a:rPr lang="es-CO" sz="1400" dirty="0" smtClean="0"/>
+              <a:rPr lang="es-CO" sz="1400" dirty="0"/>
               <a:t>Sillín</a:t>
             </a:r>
           </a:p>
@@ -5883,8 +5893,8 @@
               <a:buChar char="-"/>
             </a:pPr>
             <a:r>
-              <a:rPr lang="es-CO" sz="1400" dirty="0" smtClean="0"/>
-              <a:t>Horquilla</a:t>
+              <a:rPr lang="es-CO" sz="1400" dirty="0"/>
+              <a:t>Tija</a:t>
             </a:r>
           </a:p>
           <a:p>
@@ -5893,8 +5903,8 @@
               <a:buChar char="-"/>
             </a:pPr>
             <a:r>
-              <a:rPr lang="es-CO" sz="1400" dirty="0" smtClean="0"/>
-              <a:t>Tija</a:t>
+              <a:rPr lang="es-CO" sz="1400" dirty="0"/>
+              <a:t>Control de cambios</a:t>
             </a:r>
           </a:p>
           <a:p>
@@ -5904,23 +5914,8 @@
             </a:pPr>
             <a:r>
               <a:rPr lang="es-CO" sz="1400" dirty="0"/>
-              <a:t>Control de cambios</a:t>
-            </a:r>
-          </a:p>
-          <a:p>
-            <a:pPr marL="285750" indent="-285750">
-              <a:buFontTx/>
-              <a:buChar char="-"/>
-            </a:pPr>
-            <a:r>
-              <a:rPr lang="es-CO" sz="1400" dirty="0"/>
-              <a:t>Control de </a:t>
-            </a:r>
-            <a:r>
-              <a:rPr lang="es-CO" sz="1400" dirty="0" smtClean="0"/>
-              <a:t>frenos</a:t>
-            </a:r>
-            <a:endParaRPr lang="es-CO" sz="1400" dirty="0"/>
+              <a:t>Control de frenos</a:t>
+            </a:r>
           </a:p>
         </p:txBody>
       </p:sp>
@@ -5933,7 +5928,7 @@
           <p:nvPr/>
         </p:nvPicPr>
         <p:blipFill>
-          <a:blip r:embed="rId19"/>
+          <a:blip r:embed="rId20"/>
           <a:stretch>
             <a:fillRect/>
           </a:stretch>
@@ -6382,7 +6377,7 @@
                 <a:avLst/>
               </a:prstGeom>
               <a:blipFill rotWithShape="0">
-                <a:blip r:embed="rId20"/>
+                <a:blip r:embed="rId21"/>
                 <a:stretch>
                   <a:fillRect l="-20000" r="-12000" b="-6452"/>
                 </a:stretch>
@@ -6494,458 +6489,356 @@
           </p:sp>
         </mc:Fallback>
       </mc:AlternateContent>
+      <mc:AlternateContent xmlns:mc="http://schemas.openxmlformats.org/markup-compatibility/2006">
+        <mc:Choice xmlns:a14="http://schemas.microsoft.com/office/drawing/2010/main" Requires="a14">
+          <p:sp>
+            <p:nvSpPr>
+              <p:cNvPr id="64" name="CuadroTexto 63">
+                <a:extLst>
+                  <a:ext uri="{FF2B5EF4-FFF2-40B4-BE49-F238E27FC236}">
+                    <a16:creationId xmlns:a16="http://schemas.microsoft.com/office/drawing/2014/main" id="{614AE47A-9C6B-42D4-9C01-C8E44D44F27C}"/>
+                  </a:ext>
+                </a:extLst>
+              </p:cNvPr>
+              <p:cNvSpPr txBox="1"/>
+              <p:nvPr/>
+            </p:nvSpPr>
+            <p:spPr>
+              <a:xfrm>
+                <a:off x="5834636" y="4446205"/>
+                <a:ext cx="151393" cy="184666"/>
+              </a:xfrm>
+              <a:prstGeom prst="rect">
+                <a:avLst/>
+              </a:prstGeom>
+              <a:noFill/>
+            </p:spPr>
+            <p:txBody>
+              <a:bodyPr wrap="square" lIns="0" tIns="0" rIns="0" bIns="0" rtlCol="0">
+                <a:spAutoFit/>
+              </a:bodyPr>
+              <a:lstStyle/>
+              <a:p>
+                <a:pPr/>
+                <a14:m>
+                  <m:oMathPara xmlns:m="http://schemas.openxmlformats.org/officeDocument/2006/math">
+                    <m:oMathParaPr>
+                      <m:jc m:val="centerGroup"/>
+                    </m:oMathParaPr>
+                    <m:oMath xmlns:m="http://schemas.openxmlformats.org/officeDocument/2006/math">
+                      <m:r>
+                        <a:rPr lang="es-CO" sz="1200" b="0" i="1" smtClean="0">
+                          <a:solidFill>
+                            <a:srgbClr val="FF0000"/>
+                          </a:solidFill>
+                          <a:latin typeface="Cambria Math" panose="02040503050406030204" pitchFamily="18" charset="0"/>
+                        </a:rPr>
+                        <m:t>5</m:t>
+                      </m:r>
+                    </m:oMath>
+                  </m:oMathPara>
+                </a14:m>
+                <a:endParaRPr lang="es-CO" sz="1200" dirty="0">
+                  <a:solidFill>
+                    <a:srgbClr val="FF0000"/>
+                  </a:solidFill>
+                </a:endParaRPr>
+              </a:p>
+            </p:txBody>
+          </p:sp>
+        </mc:Choice>
+        <mc:Fallback>
+          <p:sp>
+            <p:nvSpPr>
+              <p:cNvPr id="64" name="CuadroTexto 63">
+                <a:extLst>
+                  <a:ext uri="{FF2B5EF4-FFF2-40B4-BE49-F238E27FC236}">
+                    <a16:creationId xmlns:a16="http://schemas.microsoft.com/office/drawing/2014/main" id="{614AE47A-9C6B-42D4-9C01-C8E44D44F27C}"/>
+                  </a:ext>
+                </a:extLst>
+              </p:cNvPr>
+              <p:cNvSpPr txBox="1">
+                <a:spLocks noRot="1" noChangeAspect="1" noMove="1" noResize="1" noEditPoints="1" noAdjustHandles="1" noChangeArrowheads="1" noChangeShapeType="1" noTextEdit="1"/>
+              </p:cNvSpPr>
+              <p:nvPr/>
+            </p:nvSpPr>
+            <p:spPr>
+              <a:xfrm>
+                <a:off x="5834636" y="4446205"/>
+                <a:ext cx="151393" cy="184666"/>
+              </a:xfrm>
+              <a:prstGeom prst="rect">
+                <a:avLst/>
+              </a:prstGeom>
+              <a:blipFill>
+                <a:blip r:embed="rId22"/>
+                <a:stretch>
+                  <a:fillRect l="-16000" r="-16000" b="-6452"/>
+                </a:stretch>
+              </a:blipFill>
+            </p:spPr>
+            <p:txBody>
+              <a:bodyPr/>
+              <a:lstStyle/>
+              <a:p>
+                <a:r>
+                  <a:rPr lang="es-CO">
+                    <a:noFill/>
+                  </a:rPr>
+                  <a:t> </a:t>
+                </a:r>
+              </a:p>
+            </p:txBody>
+          </p:sp>
+        </mc:Fallback>
+      </mc:AlternateContent>
+      <p:pic>
+        <p:nvPicPr>
+          <p:cNvPr id="70" name="Imagen 69">
+            <a:extLst>
+              <a:ext uri="{FF2B5EF4-FFF2-40B4-BE49-F238E27FC236}">
+                <a16:creationId xmlns:a16="http://schemas.microsoft.com/office/drawing/2014/main" id="{704C4903-AD7C-4C20-8791-3A86D180E007}"/>
+              </a:ext>
+            </a:extLst>
+          </p:cNvPr>
+          <p:cNvPicPr/>
+          <p:nvPr/>
+        </p:nvPicPr>
+        <p:blipFill rotWithShape="1">
+          <a:blip r:embed="rId4" cstate="print">
+            <a:extLst>
+              <a:ext uri="{28A0092B-C50C-407E-A947-70E740481C1C}">
+                <a14:useLocalDpi xmlns:a14="http://schemas.microsoft.com/office/drawing/2010/main" val="0"/>
+              </a:ext>
+            </a:extLst>
+          </a:blip>
+          <a:srcRect l="54662" t="16945" r="18789" b="23723"/>
+          <a:stretch/>
+        </p:blipFill>
+        <p:spPr bwMode="auto">
+          <a:xfrm>
+            <a:off x="6926222" y="3977132"/>
+            <a:ext cx="690864" cy="868423"/>
+          </a:xfrm>
+          <a:prstGeom prst="rect">
+            <a:avLst/>
+          </a:prstGeom>
+          <a:noFill/>
+          <a:ln>
+            <a:noFill/>
+          </a:ln>
+        </p:spPr>
+      </p:pic>
+      <mc:AlternateContent xmlns:mc="http://schemas.openxmlformats.org/markup-compatibility/2006">
+        <mc:Choice xmlns:a14="http://schemas.microsoft.com/office/drawing/2010/main" Requires="a14">
+          <p:sp>
+            <p:nvSpPr>
+              <p:cNvPr id="72" name="CuadroTexto 71">
+                <a:extLst>
+                  <a:ext uri="{FF2B5EF4-FFF2-40B4-BE49-F238E27FC236}">
+                    <a16:creationId xmlns:a16="http://schemas.microsoft.com/office/drawing/2014/main" id="{1D47AE41-99FA-46F0-92F8-6671677B77BB}"/>
+                  </a:ext>
+                </a:extLst>
+              </p:cNvPr>
+              <p:cNvSpPr txBox="1"/>
+              <p:nvPr/>
+            </p:nvSpPr>
+            <p:spPr>
+              <a:xfrm>
+                <a:off x="7249368" y="3993385"/>
+                <a:ext cx="151393" cy="184666"/>
+              </a:xfrm>
+              <a:prstGeom prst="rect">
+                <a:avLst/>
+              </a:prstGeom>
+              <a:noFill/>
+            </p:spPr>
+            <p:txBody>
+              <a:bodyPr wrap="square" lIns="0" tIns="0" rIns="0" bIns="0" rtlCol="0">
+                <a:spAutoFit/>
+              </a:bodyPr>
+              <a:lstStyle/>
+              <a:p>
+                <a:pPr/>
+                <a14:m>
+                  <m:oMathPara xmlns:m="http://schemas.openxmlformats.org/officeDocument/2006/math">
+                    <m:oMathParaPr>
+                      <m:jc m:val="centerGroup"/>
+                    </m:oMathParaPr>
+                    <m:oMath xmlns:m="http://schemas.openxmlformats.org/officeDocument/2006/math">
+                      <m:r>
+                        <a:rPr lang="es-CO" sz="1200" b="0" i="1" smtClean="0">
+                          <a:solidFill>
+                            <a:srgbClr val="FF0000"/>
+                          </a:solidFill>
+                          <a:latin typeface="Cambria Math" panose="02040503050406030204" pitchFamily="18" charset="0"/>
+                        </a:rPr>
+                        <m:t>6</m:t>
+                      </m:r>
+                    </m:oMath>
+                  </m:oMathPara>
+                </a14:m>
+                <a:endParaRPr lang="es-CO" sz="1200" dirty="0">
+                  <a:solidFill>
+                    <a:srgbClr val="FF0000"/>
+                  </a:solidFill>
+                </a:endParaRPr>
+              </a:p>
+            </p:txBody>
+          </p:sp>
+        </mc:Choice>
+        <mc:Fallback>
+          <p:sp>
+            <p:nvSpPr>
+              <p:cNvPr id="72" name="CuadroTexto 71">
+                <a:extLst>
+                  <a:ext uri="{FF2B5EF4-FFF2-40B4-BE49-F238E27FC236}">
+                    <a16:creationId xmlns:a16="http://schemas.microsoft.com/office/drawing/2014/main" id="{1D47AE41-99FA-46F0-92F8-6671677B77BB}"/>
+                  </a:ext>
+                </a:extLst>
+              </p:cNvPr>
+              <p:cNvSpPr txBox="1">
+                <a:spLocks noRot="1" noChangeAspect="1" noMove="1" noResize="1" noEditPoints="1" noAdjustHandles="1" noChangeArrowheads="1" noChangeShapeType="1" noTextEdit="1"/>
+              </p:cNvSpPr>
+              <p:nvPr/>
+            </p:nvSpPr>
+            <p:spPr>
+              <a:xfrm>
+                <a:off x="7249368" y="3993385"/>
+                <a:ext cx="151393" cy="184666"/>
+              </a:xfrm>
+              <a:prstGeom prst="rect">
+                <a:avLst/>
+              </a:prstGeom>
+              <a:blipFill>
+                <a:blip r:embed="rId23"/>
+                <a:stretch>
+                  <a:fillRect l="-16000" r="-12000" b="-6667"/>
+                </a:stretch>
+              </a:blipFill>
+            </p:spPr>
+            <p:txBody>
+              <a:bodyPr/>
+              <a:lstStyle/>
+              <a:p>
+                <a:r>
+                  <a:rPr lang="es-CO">
+                    <a:noFill/>
+                  </a:rPr>
+                  <a:t> </a:t>
+                </a:r>
+              </a:p>
+            </p:txBody>
+          </p:sp>
+        </mc:Fallback>
+      </mc:AlternateContent>
+      <mc:AlternateContent xmlns:mc="http://schemas.openxmlformats.org/markup-compatibility/2006">
+        <mc:Choice xmlns:a14="http://schemas.microsoft.com/office/drawing/2010/main" Requires="a14">
+          <p:sp>
+            <p:nvSpPr>
+              <p:cNvPr id="73" name="CuadroTexto 72">
+                <a:extLst>
+                  <a:ext uri="{FF2B5EF4-FFF2-40B4-BE49-F238E27FC236}">
+                    <a16:creationId xmlns:a16="http://schemas.microsoft.com/office/drawing/2014/main" id="{F727301F-4BD9-4289-BE60-F5D51DF1401A}"/>
+                  </a:ext>
+                </a:extLst>
+              </p:cNvPr>
+              <p:cNvSpPr txBox="1"/>
+              <p:nvPr/>
+            </p:nvSpPr>
+            <p:spPr>
+              <a:xfrm>
+                <a:off x="7420368" y="4538538"/>
+                <a:ext cx="151393" cy="184666"/>
+              </a:xfrm>
+              <a:prstGeom prst="rect">
+                <a:avLst/>
+              </a:prstGeom>
+              <a:noFill/>
+            </p:spPr>
+            <p:txBody>
+              <a:bodyPr wrap="square" lIns="0" tIns="0" rIns="0" bIns="0" rtlCol="0">
+                <a:spAutoFit/>
+              </a:bodyPr>
+              <a:lstStyle/>
+              <a:p>
+                <a:pPr/>
+                <a14:m>
+                  <m:oMathPara xmlns:m="http://schemas.openxmlformats.org/officeDocument/2006/math">
+                    <m:oMathParaPr>
+                      <m:jc m:val="centerGroup"/>
+                    </m:oMathParaPr>
+                    <m:oMath xmlns:m="http://schemas.openxmlformats.org/officeDocument/2006/math">
+                      <m:r>
+                        <a:rPr lang="es-CO" sz="1200" b="0" i="1" smtClean="0">
+                          <a:solidFill>
+                            <a:srgbClr val="FF0000"/>
+                          </a:solidFill>
+                          <a:latin typeface="Cambria Math" panose="02040503050406030204" pitchFamily="18" charset="0"/>
+                        </a:rPr>
+                        <m:t>7</m:t>
+                      </m:r>
+                    </m:oMath>
+                  </m:oMathPara>
+                </a14:m>
+                <a:endParaRPr lang="es-CO" sz="1200" dirty="0">
+                  <a:solidFill>
+                    <a:srgbClr val="FF0000"/>
+                  </a:solidFill>
+                </a:endParaRPr>
+              </a:p>
+            </p:txBody>
+          </p:sp>
+        </mc:Choice>
+        <mc:Fallback>
+          <p:sp>
+            <p:nvSpPr>
+              <p:cNvPr id="73" name="CuadroTexto 72">
+                <a:extLst>
+                  <a:ext uri="{FF2B5EF4-FFF2-40B4-BE49-F238E27FC236}">
+                    <a16:creationId xmlns:a16="http://schemas.microsoft.com/office/drawing/2014/main" id="{F727301F-4BD9-4289-BE60-F5D51DF1401A}"/>
+                  </a:ext>
+                </a:extLst>
+              </p:cNvPr>
+              <p:cNvSpPr txBox="1">
+                <a:spLocks noRot="1" noChangeAspect="1" noMove="1" noResize="1" noEditPoints="1" noAdjustHandles="1" noChangeArrowheads="1" noChangeShapeType="1" noTextEdit="1"/>
+              </p:cNvSpPr>
+              <p:nvPr/>
+            </p:nvSpPr>
+            <p:spPr>
+              <a:xfrm>
+                <a:off x="7420368" y="4538538"/>
+                <a:ext cx="151393" cy="184666"/>
+              </a:xfrm>
+              <a:prstGeom prst="rect">
+                <a:avLst/>
+              </a:prstGeom>
+              <a:blipFill>
+                <a:blip r:embed="rId24"/>
+                <a:stretch>
+                  <a:fillRect l="-16000" r="-12000" b="-6667"/>
+                </a:stretch>
+              </a:blipFill>
+            </p:spPr>
+            <p:txBody>
+              <a:bodyPr/>
+              <a:lstStyle/>
+              <a:p>
+                <a:r>
+                  <a:rPr lang="es-CO">
+                    <a:noFill/>
+                  </a:rPr>
+                  <a:t> </a:t>
+                </a:r>
+              </a:p>
+            </p:txBody>
+          </p:sp>
+        </mc:Fallback>
+      </mc:AlternateContent>
     </p:spTree>
     <p:extLst>
       <p:ext uri="{BB962C8B-B14F-4D97-AF65-F5344CB8AC3E}">
         <p14:creationId xmlns:p14="http://schemas.microsoft.com/office/powerpoint/2010/main" val="3438802664"/>
-      </p:ext>
-    </p:extLst>
-  </p:cSld>
-  <p:clrMapOvr>
-    <a:masterClrMapping/>
-  </p:clrMapOvr>
-</p:sld>
-</file>
-
-<file path=ppt/slides/slide2.xml><?xml version="1.0" encoding="utf-8"?>
-<p:sld xmlns:a="http://schemas.openxmlformats.org/drawingml/2006/main" xmlns:r="http://schemas.openxmlformats.org/officeDocument/2006/relationships" xmlns:p="http://schemas.openxmlformats.org/presentationml/2006/main">
-  <p:cSld>
-    <p:spTree>
-      <p:nvGrpSpPr>
-        <p:cNvPr id="1" name=""/>
-        <p:cNvGrpSpPr/>
-        <p:nvPr/>
-      </p:nvGrpSpPr>
-      <p:grpSpPr>
-        <a:xfrm>
-          <a:off x="0" y="0"/>
-          <a:ext cx="0" cy="0"/>
-          <a:chOff x="0" y="0"/>
-          <a:chExt cx="0" cy="0"/>
-        </a:xfrm>
-      </p:grpSpPr>
-      <p:sp>
-        <p:nvSpPr>
-          <p:cNvPr id="2" name="Título 1"/>
-          <p:cNvSpPr>
-            <a:spLocks noGrp="1"/>
-          </p:cNvSpPr>
-          <p:nvPr>
-            <p:ph type="title"/>
-          </p:nvPr>
-        </p:nvSpPr>
-        <p:spPr/>
-        <p:txBody>
-          <a:bodyPr/>
-          <a:lstStyle/>
-          <a:p>
-            <a:r>
-              <a:rPr lang="es-CO" dirty="0" smtClean="0"/>
-              <a:t>Componentes de fabricación</a:t>
-            </a:r>
-            <a:endParaRPr lang="es-CO" dirty="0"/>
-          </a:p>
-        </p:txBody>
-      </p:sp>
-      <p:sp>
-        <p:nvSpPr>
-          <p:cNvPr id="3" name="Marcador de contenido 2"/>
-          <p:cNvSpPr>
-            <a:spLocks noGrp="1"/>
-          </p:cNvSpPr>
-          <p:nvPr>
-            <p:ph idx="1"/>
-          </p:nvPr>
-        </p:nvSpPr>
-        <p:spPr/>
-        <p:txBody>
-          <a:bodyPr numCol="2">
-            <a:normAutofit/>
-          </a:bodyPr>
-          <a:lstStyle/>
-          <a:p>
-            <a:pPr marL="514350" indent="-514350">
-              <a:buAutoNum type="arabicPeriod"/>
-            </a:pPr>
-            <a:r>
-              <a:rPr lang="es-CO" dirty="0" smtClean="0"/>
-              <a:t>Tubo superior</a:t>
-            </a:r>
-          </a:p>
-          <a:p>
-            <a:pPr marL="514350" indent="-514350">
-              <a:buAutoNum type="arabicPeriod"/>
-            </a:pPr>
-            <a:r>
-              <a:rPr lang="es-CO" dirty="0" smtClean="0"/>
-              <a:t>Tubo inferior</a:t>
-            </a:r>
-          </a:p>
-          <a:p>
-            <a:pPr marL="514350" indent="-514350">
-              <a:buAutoNum type="arabicPeriod"/>
-            </a:pPr>
-            <a:r>
-              <a:rPr lang="es-CO" dirty="0" smtClean="0"/>
-              <a:t>Tubo del asiento</a:t>
-            </a:r>
-          </a:p>
-          <a:p>
-            <a:pPr marL="514350" indent="-514350">
-              <a:buAutoNum type="arabicPeriod"/>
-            </a:pPr>
-            <a:r>
-              <a:rPr lang="es-CO" dirty="0" smtClean="0"/>
-              <a:t>Vaina superior </a:t>
-            </a:r>
-          </a:p>
-          <a:p>
-            <a:pPr marL="514350" indent="-514350">
-              <a:buAutoNum type="arabicPeriod"/>
-            </a:pPr>
-            <a:r>
-              <a:rPr lang="es-CO" dirty="0" smtClean="0"/>
-              <a:t>Vaina inferior</a:t>
-            </a:r>
-          </a:p>
-          <a:p>
-            <a:pPr marL="514350" indent="-514350">
-              <a:buAutoNum type="arabicPeriod"/>
-            </a:pPr>
-            <a:r>
-              <a:rPr lang="es-CO" dirty="0" smtClean="0"/>
-              <a:t>Punteras</a:t>
-            </a:r>
-          </a:p>
-          <a:p>
-            <a:pPr marL="514350" indent="-514350">
-              <a:buAutoNum type="arabicPeriod"/>
-            </a:pPr>
-            <a:r>
-              <a:rPr lang="es-CO" dirty="0" smtClean="0"/>
-              <a:t>Telescopio</a:t>
-            </a:r>
-          </a:p>
-          <a:p>
-            <a:pPr marL="514350" indent="-514350">
-              <a:buAutoNum type="arabicPeriod"/>
-            </a:pPr>
-            <a:r>
-              <a:rPr lang="es-CO" dirty="0" smtClean="0"/>
-              <a:t>Manga asiento</a:t>
-            </a:r>
-          </a:p>
-          <a:p>
-            <a:pPr marL="514350" indent="-514350">
-              <a:buAutoNum type="arabicPeriod"/>
-            </a:pPr>
-            <a:r>
-              <a:rPr lang="es-CO" dirty="0" err="1" smtClean="0"/>
-              <a:t>Pedalier</a:t>
-            </a:r>
-            <a:endParaRPr lang="es-CO" dirty="0" smtClean="0"/>
-          </a:p>
-          <a:p>
-            <a:pPr marL="514350" indent="-514350">
-              <a:buAutoNum type="arabicPeriod"/>
-            </a:pPr>
-            <a:r>
-              <a:rPr lang="es-CO" dirty="0" smtClean="0"/>
-              <a:t>Tubo de manubrio</a:t>
-            </a:r>
-          </a:p>
-          <a:p>
-            <a:pPr marL="514350" indent="-514350">
-              <a:buAutoNum type="arabicPeriod"/>
-            </a:pPr>
-            <a:r>
-              <a:rPr lang="es-CO" dirty="0" smtClean="0"/>
-              <a:t>Tija</a:t>
-            </a:r>
-          </a:p>
-          <a:p>
-            <a:pPr marL="514350" indent="-514350">
-              <a:buAutoNum type="arabicPeriod"/>
-            </a:pPr>
-            <a:r>
-              <a:rPr lang="es-CO" dirty="0" smtClean="0"/>
-              <a:t>Horquilla</a:t>
-            </a:r>
-            <a:endParaRPr lang="es-CO" dirty="0"/>
-          </a:p>
-        </p:txBody>
-      </p:sp>
-    </p:spTree>
-    <p:extLst>
-      <p:ext uri="{BB962C8B-B14F-4D97-AF65-F5344CB8AC3E}">
-        <p14:creationId xmlns:p14="http://schemas.microsoft.com/office/powerpoint/2010/main" val="1243428478"/>
-      </p:ext>
-    </p:extLst>
-  </p:cSld>
-  <p:clrMapOvr>
-    <a:masterClrMapping/>
-  </p:clrMapOvr>
-</p:sld>
-</file>
-
-<file path=ppt/slides/slide3.xml><?xml version="1.0" encoding="utf-8"?>
-<p:sld xmlns:a="http://schemas.openxmlformats.org/drawingml/2006/main" xmlns:r="http://schemas.openxmlformats.org/officeDocument/2006/relationships" xmlns:p="http://schemas.openxmlformats.org/presentationml/2006/main">
-  <p:cSld>
-    <p:spTree>
-      <p:nvGrpSpPr>
-        <p:cNvPr id="1" name=""/>
-        <p:cNvGrpSpPr/>
-        <p:nvPr/>
-      </p:nvGrpSpPr>
-      <p:grpSpPr>
-        <a:xfrm>
-          <a:off x="0" y="0"/>
-          <a:ext cx="0" cy="0"/>
-          <a:chOff x="0" y="0"/>
-          <a:chExt cx="0" cy="0"/>
-        </a:xfrm>
-      </p:grpSpPr>
-      <p:sp>
-        <p:nvSpPr>
-          <p:cNvPr id="2" name="Título 1"/>
-          <p:cNvSpPr>
-            <a:spLocks noGrp="1"/>
-          </p:cNvSpPr>
-          <p:nvPr>
-            <p:ph type="title"/>
-          </p:nvPr>
-        </p:nvSpPr>
-        <p:spPr/>
-        <p:txBody>
-          <a:bodyPr/>
-          <a:lstStyle/>
-          <a:p>
-            <a:r>
-              <a:rPr lang="es-CO" dirty="0" smtClean="0"/>
-              <a:t>Componentes de selección</a:t>
-            </a:r>
-            <a:endParaRPr lang="es-CO" dirty="0"/>
-          </a:p>
-        </p:txBody>
-      </p:sp>
-      <p:sp>
-        <p:nvSpPr>
-          <p:cNvPr id="3" name="Marcador de contenido 2"/>
-          <p:cNvSpPr>
-            <a:spLocks noGrp="1"/>
-          </p:cNvSpPr>
-          <p:nvPr>
-            <p:ph idx="1"/>
-          </p:nvPr>
-        </p:nvSpPr>
-        <p:spPr/>
-        <p:txBody>
-          <a:bodyPr numCol="2">
-            <a:normAutofit fontScale="85000" lnSpcReduction="20000"/>
-          </a:bodyPr>
-          <a:lstStyle/>
-          <a:p>
-            <a:pPr marL="514350" indent="-514350">
-              <a:buAutoNum type="arabicPeriod"/>
-            </a:pPr>
-            <a:r>
-              <a:rPr lang="es-CO" dirty="0" smtClean="0"/>
-              <a:t>Cadena</a:t>
-            </a:r>
-            <a:endParaRPr lang="es-CO" dirty="0"/>
-          </a:p>
-          <a:p>
-            <a:pPr marL="514350" indent="-514350">
-              <a:buAutoNum type="arabicPeriod"/>
-            </a:pPr>
-            <a:r>
-              <a:rPr lang="es-CO" dirty="0" smtClean="0"/>
-              <a:t>Estrella</a:t>
-            </a:r>
-          </a:p>
-          <a:p>
-            <a:pPr marL="514350" indent="-514350">
-              <a:buAutoNum type="arabicPeriod"/>
-            </a:pPr>
-            <a:r>
-              <a:rPr lang="es-CO" dirty="0" smtClean="0"/>
-              <a:t>Pedal</a:t>
-            </a:r>
-          </a:p>
-          <a:p>
-            <a:pPr marL="514350" indent="-514350">
-              <a:buAutoNum type="arabicPeriod"/>
-            </a:pPr>
-            <a:r>
-              <a:rPr lang="es-CO" dirty="0" smtClean="0"/>
-              <a:t>Biela</a:t>
-            </a:r>
-          </a:p>
-          <a:p>
-            <a:pPr marL="514350" indent="-514350">
-              <a:buAutoNum type="arabicPeriod"/>
-            </a:pPr>
-            <a:r>
-              <a:rPr lang="es-CO" dirty="0" smtClean="0"/>
-              <a:t>Cambios</a:t>
-            </a:r>
-          </a:p>
-          <a:p>
-            <a:pPr marL="514350" indent="-514350">
-              <a:buAutoNum type="arabicPeriod"/>
-            </a:pPr>
-            <a:r>
-              <a:rPr lang="es-CO" dirty="0" smtClean="0"/>
-              <a:t>Eje </a:t>
-            </a:r>
-            <a:r>
-              <a:rPr lang="es-CO" dirty="0" err="1" smtClean="0"/>
-              <a:t>pedalier</a:t>
-            </a:r>
-            <a:endParaRPr lang="es-CO" dirty="0"/>
-          </a:p>
-          <a:p>
-            <a:pPr marL="514350" indent="-514350">
-              <a:buAutoNum type="arabicPeriod"/>
-            </a:pPr>
-            <a:r>
-              <a:rPr lang="es-CO" dirty="0" smtClean="0"/>
-              <a:t>Neumático</a:t>
-            </a:r>
-          </a:p>
-          <a:p>
-            <a:pPr marL="514350" indent="-514350">
-              <a:buAutoNum type="arabicPeriod"/>
-            </a:pPr>
-            <a:r>
-              <a:rPr lang="es-CO" dirty="0" smtClean="0"/>
-              <a:t>Cubierta</a:t>
-            </a:r>
-          </a:p>
-          <a:p>
-            <a:pPr marL="514350" indent="-514350">
-              <a:buAutoNum type="arabicPeriod"/>
-            </a:pPr>
-            <a:r>
-              <a:rPr lang="es-CO" dirty="0" smtClean="0"/>
-              <a:t>Rin</a:t>
-            </a:r>
-          </a:p>
-          <a:p>
-            <a:pPr marL="514350" indent="-514350">
-              <a:buAutoNum type="arabicPeriod"/>
-            </a:pPr>
-            <a:r>
-              <a:rPr lang="es-CO" dirty="0" smtClean="0"/>
-              <a:t>Manzana</a:t>
-            </a:r>
-          </a:p>
-          <a:p>
-            <a:pPr marL="514350" indent="-514350">
-              <a:buAutoNum type="arabicPeriod"/>
-            </a:pPr>
-            <a:r>
-              <a:rPr lang="es-CO" dirty="0" smtClean="0"/>
-              <a:t>Rayos</a:t>
-            </a:r>
-          </a:p>
-          <a:p>
-            <a:pPr marL="514350" indent="-514350">
-              <a:buAutoNum type="arabicPeriod"/>
-            </a:pPr>
-            <a:r>
-              <a:rPr lang="es-CO" dirty="0" smtClean="0"/>
-              <a:t>Buje</a:t>
-            </a:r>
-          </a:p>
-          <a:p>
-            <a:pPr marL="514350" indent="-514350">
-              <a:buAutoNum type="arabicPeriod"/>
-            </a:pPr>
-            <a:r>
-              <a:rPr lang="es-CO" dirty="0" smtClean="0"/>
-              <a:t>Freno</a:t>
-            </a:r>
-          </a:p>
-          <a:p>
-            <a:pPr marL="514350" indent="-514350">
-              <a:buAutoNum type="arabicPeriod"/>
-            </a:pPr>
-            <a:r>
-              <a:rPr lang="es-CO" dirty="0" smtClean="0"/>
-              <a:t>Piñones</a:t>
-            </a:r>
-          </a:p>
-          <a:p>
-            <a:pPr marL="514350" indent="-514350">
-              <a:buAutoNum type="arabicPeriod"/>
-            </a:pPr>
-            <a:r>
-              <a:rPr lang="es-CO" dirty="0" smtClean="0"/>
-              <a:t>Espaciadores</a:t>
-            </a:r>
-          </a:p>
-          <a:p>
-            <a:pPr marL="514350" indent="-514350">
-              <a:buAutoNum type="arabicPeriod"/>
-            </a:pPr>
-            <a:r>
-              <a:rPr lang="es-CO" dirty="0" smtClean="0"/>
-              <a:t>Potencia </a:t>
-            </a:r>
-          </a:p>
-          <a:p>
-            <a:pPr marL="514350" indent="-514350">
-              <a:buAutoNum type="arabicPeriod"/>
-            </a:pPr>
-            <a:r>
-              <a:rPr lang="es-CO" dirty="0" smtClean="0"/>
-              <a:t>Mangos</a:t>
-            </a:r>
-          </a:p>
-          <a:p>
-            <a:pPr marL="514350" indent="-514350">
-              <a:buAutoNum type="arabicPeriod"/>
-            </a:pPr>
-            <a:r>
-              <a:rPr lang="es-CO" dirty="0" smtClean="0"/>
-              <a:t>Tapón</a:t>
-            </a:r>
-          </a:p>
-          <a:p>
-            <a:pPr marL="514350" indent="-514350">
-              <a:buAutoNum type="arabicPeriod"/>
-            </a:pPr>
-            <a:r>
-              <a:rPr lang="es-CO" dirty="0" smtClean="0"/>
-              <a:t>Sillín</a:t>
-            </a:r>
-          </a:p>
-          <a:p>
-            <a:pPr marL="514350" indent="-514350">
-              <a:buAutoNum type="arabicPeriod"/>
-            </a:pPr>
-            <a:r>
-              <a:rPr lang="es-CO" dirty="0" smtClean="0"/>
-              <a:t>Control de cambios</a:t>
-            </a:r>
-          </a:p>
-          <a:p>
-            <a:pPr marL="514350" indent="-514350">
-              <a:buAutoNum type="arabicPeriod"/>
-            </a:pPr>
-            <a:r>
-              <a:rPr lang="es-CO" dirty="0" smtClean="0"/>
-              <a:t>Control de frenos</a:t>
-            </a:r>
-            <a:endParaRPr lang="es-CO" dirty="0"/>
-          </a:p>
-        </p:txBody>
-      </p:sp>
-    </p:spTree>
-    <p:extLst>
-      <p:ext uri="{BB962C8B-B14F-4D97-AF65-F5344CB8AC3E}">
-        <p14:creationId xmlns:p14="http://schemas.microsoft.com/office/powerpoint/2010/main" val="3790780412"/>
       </p:ext>
     </p:extLst>
   </p:cSld>
